--- a/Instructions_Pictures/Dichotic/D1Binstructions (1).pptx
+++ b/Instructions_Pictures/Dichotic/D1Binstructions (1).pptx
@@ -249,7 +249,7 @@
           <a:p>
             <a:fld id="{4476BBAF-3BF1-4078-A5DF-44D473DCBE61}" type="datetimeFigureOut">
               <a:rPr lang="he-IL" smtClean="0"/>
-              <a:t>ב'/חשון/תשע"ט</a:t>
+              <a:t>כ"ח/תמוז/תש"ף</a:t>
             </a:fld>
             <a:endParaRPr lang="he-IL"/>
           </a:p>
@@ -419,7 +419,7 @@
           <a:p>
             <a:fld id="{4476BBAF-3BF1-4078-A5DF-44D473DCBE61}" type="datetimeFigureOut">
               <a:rPr lang="he-IL" smtClean="0"/>
-              <a:t>ב'/חשון/תשע"ט</a:t>
+              <a:t>כ"ח/תמוז/תש"ף</a:t>
             </a:fld>
             <a:endParaRPr lang="he-IL"/>
           </a:p>
@@ -599,7 +599,7 @@
           <a:p>
             <a:fld id="{4476BBAF-3BF1-4078-A5DF-44D473DCBE61}" type="datetimeFigureOut">
               <a:rPr lang="he-IL" smtClean="0"/>
-              <a:t>ב'/חשון/תשע"ט</a:t>
+              <a:t>כ"ח/תמוז/תש"ף</a:t>
             </a:fld>
             <a:endParaRPr lang="he-IL"/>
           </a:p>
@@ -769,7 +769,7 @@
           <a:p>
             <a:fld id="{4476BBAF-3BF1-4078-A5DF-44D473DCBE61}" type="datetimeFigureOut">
               <a:rPr lang="he-IL" smtClean="0"/>
-              <a:t>ב'/חשון/תשע"ט</a:t>
+              <a:t>כ"ח/תמוז/תש"ף</a:t>
             </a:fld>
             <a:endParaRPr lang="he-IL"/>
           </a:p>
@@ -1015,7 +1015,7 @@
           <a:p>
             <a:fld id="{4476BBAF-3BF1-4078-A5DF-44D473DCBE61}" type="datetimeFigureOut">
               <a:rPr lang="he-IL" smtClean="0"/>
-              <a:t>ב'/חשון/תשע"ט</a:t>
+              <a:t>כ"ח/תמוז/תש"ף</a:t>
             </a:fld>
             <a:endParaRPr lang="he-IL"/>
           </a:p>
@@ -1247,7 +1247,7 @@
           <a:p>
             <a:fld id="{4476BBAF-3BF1-4078-A5DF-44D473DCBE61}" type="datetimeFigureOut">
               <a:rPr lang="he-IL" smtClean="0"/>
-              <a:t>ב'/חשון/תשע"ט</a:t>
+              <a:t>כ"ח/תמוז/תש"ף</a:t>
             </a:fld>
             <a:endParaRPr lang="he-IL"/>
           </a:p>
@@ -1614,7 +1614,7 @@
           <a:p>
             <a:fld id="{4476BBAF-3BF1-4078-A5DF-44D473DCBE61}" type="datetimeFigureOut">
               <a:rPr lang="he-IL" smtClean="0"/>
-              <a:t>ב'/חשון/תשע"ט</a:t>
+              <a:t>כ"ח/תמוז/תש"ף</a:t>
             </a:fld>
             <a:endParaRPr lang="he-IL"/>
           </a:p>
@@ -1732,7 +1732,7 @@
           <a:p>
             <a:fld id="{4476BBAF-3BF1-4078-A5DF-44D473DCBE61}" type="datetimeFigureOut">
               <a:rPr lang="he-IL" smtClean="0"/>
-              <a:t>ב'/חשון/תשע"ט</a:t>
+              <a:t>כ"ח/תמוז/תש"ף</a:t>
             </a:fld>
             <a:endParaRPr lang="he-IL"/>
           </a:p>
@@ -1827,7 +1827,7 @@
           <a:p>
             <a:fld id="{4476BBAF-3BF1-4078-A5DF-44D473DCBE61}" type="datetimeFigureOut">
               <a:rPr lang="he-IL" smtClean="0"/>
-              <a:t>ב'/חשון/תשע"ט</a:t>
+              <a:t>כ"ח/תמוז/תש"ף</a:t>
             </a:fld>
             <a:endParaRPr lang="he-IL"/>
           </a:p>
@@ -2104,7 +2104,7 @@
           <a:p>
             <a:fld id="{4476BBAF-3BF1-4078-A5DF-44D473DCBE61}" type="datetimeFigureOut">
               <a:rPr lang="he-IL" smtClean="0"/>
-              <a:t>ב'/חשון/תשע"ט</a:t>
+              <a:t>כ"ח/תמוז/תש"ף</a:t>
             </a:fld>
             <a:endParaRPr lang="he-IL"/>
           </a:p>
@@ -2357,7 +2357,7 @@
           <a:p>
             <a:fld id="{4476BBAF-3BF1-4078-A5DF-44D473DCBE61}" type="datetimeFigureOut">
               <a:rPr lang="he-IL" smtClean="0"/>
-              <a:t>ב'/חשון/תשע"ט</a:t>
+              <a:t>כ"ח/תמוז/תש"ף</a:t>
             </a:fld>
             <a:endParaRPr lang="he-IL"/>
           </a:p>
@@ -2570,7 +2570,7 @@
           <a:p>
             <a:fld id="{4476BBAF-3BF1-4078-A5DF-44D473DCBE61}" type="datetimeFigureOut">
               <a:rPr lang="he-IL" smtClean="0"/>
-              <a:t>ב'/חשון/תשע"ט</a:t>
+              <a:t>כ"ח/תמוז/תש"ף</a:t>
             </a:fld>
             <a:endParaRPr lang="he-IL"/>
           </a:p>
@@ -3056,17 +3056,7 @@
                 <a:latin typeface="David" panose="020E0502060401010101" pitchFamily="34" charset="-79"/>
                 <a:cs typeface="David" panose="020E0502060401010101" pitchFamily="34" charset="-79"/>
               </a:rPr>
-              <a:t>תבצע/י מטלה </a:t>
-            </a:r>
-            <a:r>
-              <a:rPr lang="he-IL" sz="1553" dirty="0" smtClean="0">
-                <a:solidFill>
-                  <a:schemeClr val="tx1"/>
-                </a:solidFill>
-                <a:latin typeface="David" panose="020E0502060401010101" pitchFamily="34" charset="-79"/>
-                <a:cs typeface="David" panose="020E0502060401010101" pitchFamily="34" charset="-79"/>
-              </a:rPr>
-              <a:t>נוספת.</a:t>
+              <a:t>תבצע/י מטלה נוספת.</a:t>
             </a:r>
           </a:p>
           <a:p>
@@ -3083,7 +3073,17 @@
                 <a:latin typeface="David" panose="020E0502060401010101" pitchFamily="34" charset="-79"/>
                 <a:cs typeface="David" panose="020E0502060401010101" pitchFamily="34" charset="-79"/>
               </a:rPr>
-              <a:t>במטלה זו </a:t>
+              <a:t>במטלה זו תשמע/י במקביל (באותו הזמן) רצף משפטים בכל אוזן. כלומר, באוזן ימין תשמע/י רצף משפטים ובאותו זמן באוזן </a:t>
+            </a:r>
+            <a:r>
+              <a:rPr lang="he-IL" sz="1553" dirty="0">
+                <a:solidFill>
+                  <a:schemeClr val="tx1"/>
+                </a:solidFill>
+                <a:latin typeface="David" panose="020E0502060401010101" pitchFamily="34" charset="-79"/>
+                <a:cs typeface="David" panose="020E0502060401010101" pitchFamily="34" charset="-79"/>
+              </a:rPr>
+              <a:t>שמאל </a:t>
             </a:r>
             <a:r>
               <a:rPr lang="he-IL" sz="1553" dirty="0" smtClean="0">
@@ -3093,7 +3093,17 @@
                 <a:latin typeface="David" panose="020E0502060401010101" pitchFamily="34" charset="-79"/>
                 <a:cs typeface="David" panose="020E0502060401010101" pitchFamily="34" charset="-79"/>
               </a:rPr>
-              <a:t>תשמע/י במקביל (באותו הזמן) </a:t>
+              <a:t>תשמע/י רצף שונה של משפטים. את/ה מתבקש/ת </a:t>
+            </a:r>
+            <a:r>
+              <a:rPr lang="he-IL" sz="1553" b="1" dirty="0" smtClean="0">
+                <a:solidFill>
+                  <a:schemeClr val="tx1"/>
+                </a:solidFill>
+                <a:latin typeface="David" panose="020E0502060401010101" pitchFamily="34" charset="-79"/>
+                <a:cs typeface="David" panose="020E0502060401010101" pitchFamily="34" charset="-79"/>
+              </a:rPr>
+              <a:t>לזהות כאשר את/ה שומע/ת באותו צד את אותו המשפט פעמיים ברצף</a:t>
             </a:r>
             <a:r>
               <a:rPr lang="he-IL" sz="1553" dirty="0" smtClean="0">
@@ -3103,7 +3113,7 @@
                 <a:latin typeface="David" panose="020E0502060401010101" pitchFamily="34" charset="-79"/>
                 <a:cs typeface="David" panose="020E0502060401010101" pitchFamily="34" charset="-79"/>
               </a:rPr>
-              <a:t>רצף משפטים בכל אוזן. כלומר, באוזן ימין תשמע/י רצף משפטים ובאותו </a:t>
+              <a:t>. </a:t>
             </a:r>
             <a:r>
               <a:rPr lang="he-IL" sz="1553" dirty="0" smtClean="0">
@@ -3113,17 +3123,7 @@
                 <a:latin typeface="David" panose="020E0502060401010101" pitchFamily="34" charset="-79"/>
                 <a:cs typeface="David" panose="020E0502060401010101" pitchFamily="34" charset="-79"/>
               </a:rPr>
-              <a:t>זמן באוזן </a:t>
-            </a:r>
-            <a:r>
-              <a:rPr lang="he-IL" sz="1553" dirty="0">
-                <a:solidFill>
-                  <a:schemeClr val="tx1"/>
-                </a:solidFill>
-                <a:latin typeface="David" panose="020E0502060401010101" pitchFamily="34" charset="-79"/>
-                <a:cs typeface="David" panose="020E0502060401010101" pitchFamily="34" charset="-79"/>
-              </a:rPr>
-              <a:t>שמאל </a:t>
+              <a:t>כאשר </a:t>
             </a:r>
             <a:r>
               <a:rPr lang="he-IL" sz="1553" dirty="0" smtClean="0">
@@ -3133,17 +3133,7 @@
                 <a:latin typeface="David" panose="020E0502060401010101" pitchFamily="34" charset="-79"/>
                 <a:cs typeface="David" panose="020E0502060401010101" pitchFamily="34" charset="-79"/>
               </a:rPr>
-              <a:t>תשמע/י רצף שונה </a:t>
-            </a:r>
-            <a:r>
-              <a:rPr lang="he-IL" sz="1553" dirty="0" smtClean="0">
-                <a:solidFill>
-                  <a:schemeClr val="tx1"/>
-                </a:solidFill>
-                <a:latin typeface="David" panose="020E0502060401010101" pitchFamily="34" charset="-79"/>
-                <a:cs typeface="David" panose="020E0502060401010101" pitchFamily="34" charset="-79"/>
-              </a:rPr>
-              <a:t>של משפטים. את/ה מתבקש/ת </a:t>
+              <a:t>זיהית חזרה על אותו משפט, </a:t>
             </a:r>
             <a:r>
               <a:rPr lang="he-IL" sz="1553" b="1" dirty="0" smtClean="0">
@@ -3153,7 +3143,7 @@
                 <a:latin typeface="David" panose="020E0502060401010101" pitchFamily="34" charset="-79"/>
                 <a:cs typeface="David" panose="020E0502060401010101" pitchFamily="34" charset="-79"/>
               </a:rPr>
-              <a:t>לזהות כאשר את/ה שומע/ת באותו צד את אותו המשפט פעמיים </a:t>
+              <a:t>לחץ/י על </a:t>
             </a:r>
             <a:r>
               <a:rPr lang="he-IL" sz="1553" b="1" dirty="0" smtClean="0">
@@ -3163,27 +3153,7 @@
                 <a:latin typeface="David" panose="020E0502060401010101" pitchFamily="34" charset="-79"/>
                 <a:cs typeface="David" panose="020E0502060401010101" pitchFamily="34" charset="-79"/>
               </a:rPr>
-              <a:t>ברצף</a:t>
-            </a:r>
-            <a:r>
-              <a:rPr lang="he-IL" sz="1553" dirty="0" smtClean="0">
-                <a:solidFill>
-                  <a:schemeClr val="tx1"/>
-                </a:solidFill>
-                <a:latin typeface="David" panose="020E0502060401010101" pitchFamily="34" charset="-79"/>
-                <a:cs typeface="David" panose="020E0502060401010101" pitchFamily="34" charset="-79"/>
-              </a:rPr>
-              <a:t>. כלומר, את/ה צריך להאזין לשני הצדדים בו-זמנית. כאשר </a:t>
-            </a:r>
-            <a:r>
-              <a:rPr lang="he-IL" sz="1553" dirty="0" smtClean="0">
-                <a:solidFill>
-                  <a:schemeClr val="tx1"/>
-                </a:solidFill>
-                <a:latin typeface="David" panose="020E0502060401010101" pitchFamily="34" charset="-79"/>
-                <a:cs typeface="David" panose="020E0502060401010101" pitchFamily="34" charset="-79"/>
-              </a:rPr>
-              <a:t>זיהית חזרה על אותו משפט, </a:t>
+              <a:t>חץ</a:t>
             </a:r>
             <a:r>
               <a:rPr lang="he-IL" sz="1553" b="1" dirty="0" smtClean="0">
@@ -3193,7 +3163,7 @@
                 <a:latin typeface="David" panose="020E0502060401010101" pitchFamily="34" charset="-79"/>
                 <a:cs typeface="David" panose="020E0502060401010101" pitchFamily="34" charset="-79"/>
               </a:rPr>
-              <a:t>לחץ/י על כפתור ימין או שמאל בהתאם לצד בו שמעת את המשפט שחזר על </a:t>
+              <a:t> </a:t>
             </a:r>
             <a:r>
               <a:rPr lang="he-IL" sz="1553" b="1" dirty="0" smtClean="0">
@@ -3203,7 +3173,7 @@
                 <a:latin typeface="David" panose="020E0502060401010101" pitchFamily="34" charset="-79"/>
                 <a:cs typeface="David" panose="020E0502060401010101" pitchFamily="34" charset="-79"/>
               </a:rPr>
-              <a:t>עצמו (באותו צד) </a:t>
+              <a:t>ימין או שמאל </a:t>
             </a:r>
             <a:r>
               <a:rPr lang="he-IL" sz="1553" b="1" dirty="0" smtClean="0">
@@ -3213,7 +3183,37 @@
                 <a:latin typeface="David" panose="020E0502060401010101" pitchFamily="34" charset="-79"/>
                 <a:cs typeface="David" panose="020E0502060401010101" pitchFamily="34" charset="-79"/>
               </a:rPr>
-              <a:t>פעמיים ברצף</a:t>
+              <a:t>בפינה הימנית התחתונה במקלדת</a:t>
+            </a:r>
+            <a:r>
+              <a:rPr lang="he-IL" sz="1553" b="1" dirty="0">
+                <a:solidFill>
+                  <a:schemeClr val="tx1"/>
+                </a:solidFill>
+                <a:latin typeface="David" panose="020E0502060401010101" pitchFamily="34" charset="-79"/>
+                <a:cs typeface="David" panose="020E0502060401010101" pitchFamily="34" charset="-79"/>
+              </a:rPr>
+              <a:t>,</a:t>
+            </a:r>
+            <a:r>
+              <a:rPr lang="he-IL" sz="1553" b="1" dirty="0" smtClean="0">
+                <a:solidFill>
+                  <a:schemeClr val="tx1"/>
+                </a:solidFill>
+                <a:latin typeface="David" panose="020E0502060401010101" pitchFamily="34" charset="-79"/>
+                <a:cs typeface="David" panose="020E0502060401010101" pitchFamily="34" charset="-79"/>
+              </a:rPr>
+              <a:t> בהתאם </a:t>
+            </a:r>
+            <a:r>
+              <a:rPr lang="he-IL" sz="1553" b="1" dirty="0" smtClean="0">
+                <a:solidFill>
+                  <a:schemeClr val="tx1"/>
+                </a:solidFill>
+                <a:latin typeface="David" panose="020E0502060401010101" pitchFamily="34" charset="-79"/>
+                <a:cs typeface="David" panose="020E0502060401010101" pitchFamily="34" charset="-79"/>
+              </a:rPr>
+              <a:t>לצד בו שמעת את המשפט שחזר על עצמו (באותו צד) פעמיים ברצף</a:t>
             </a:r>
             <a:r>
               <a:rPr lang="he-IL" sz="1553" dirty="0" smtClean="0">
@@ -3421,7 +3421,17 @@
                 <a:latin typeface="David" panose="020E0502060401010101" pitchFamily="34" charset="-79"/>
                 <a:cs typeface="David" panose="020E0502060401010101" pitchFamily="34" charset="-79"/>
               </a:rPr>
-              <a:t>על אחד הכפתורים</a:t>
+              <a:t>על </a:t>
+            </a:r>
+            <a:r>
+              <a:rPr lang="he-IL" sz="1937" u="sng" dirty="0">
+                <a:solidFill>
+                  <a:schemeClr val="tx1"/>
+                </a:solidFill>
+                <a:latin typeface="David" panose="020E0502060401010101" pitchFamily="34" charset="-79"/>
+                <a:cs typeface="David" panose="020E0502060401010101" pitchFamily="34" charset="-79"/>
+              </a:rPr>
+              <a:t>מקש רווח</a:t>
             </a:r>
             <a:endParaRPr lang="he-IL" sz="1937" dirty="0">
               <a:solidFill>
@@ -3702,7 +3712,17 @@
                   <a:latin typeface="David" panose="020E0502060401010101" pitchFamily="34" charset="-79"/>
                   <a:cs typeface="David" panose="020E0502060401010101" pitchFamily="34" charset="-79"/>
                 </a:rPr>
-                <a:t>"אני עייף."</a:t>
+                <a:t>"</a:t>
+              </a:r>
+              <a:r>
+                <a:rPr lang="he-IL" dirty="0">
+                  <a:solidFill>
+                    <a:srgbClr val="FF0000"/>
+                  </a:solidFill>
+                  <a:latin typeface="David" panose="020E0502060401010101" pitchFamily="34" charset="-79"/>
+                  <a:cs typeface="David" panose="020E0502060401010101" pitchFamily="34" charset="-79"/>
+                </a:rPr>
+                <a:t>אני עייף."</a:t>
               </a:r>
             </a:p>
             <a:p>
@@ -3713,6 +3733,9 @@
               </a:pPr>
               <a:r>
                 <a:rPr lang="he-IL" sz="1800" dirty="0" smtClean="0">
+                  <a:solidFill>
+                    <a:srgbClr val="FF0000"/>
+                  </a:solidFill>
                   <a:latin typeface="David" panose="020E0502060401010101" pitchFamily="34" charset="-79"/>
                   <a:cs typeface="David" panose="020E0502060401010101" pitchFamily="34" charset="-79"/>
                 </a:rPr>
@@ -3720,12 +3743,18 @@
               </a:r>
               <a:r>
                 <a:rPr lang="he-IL" sz="1800" dirty="0">
+                  <a:solidFill>
+                    <a:srgbClr val="FF0000"/>
+                  </a:solidFill>
                   <a:latin typeface="David" panose="020E0502060401010101" pitchFamily="34" charset="-79"/>
                   <a:cs typeface="David" panose="020E0502060401010101" pitchFamily="34" charset="-79"/>
                 </a:rPr>
                 <a:t>אני עייף."</a:t>
               </a:r>
               <a:endParaRPr lang="en-US" sz="1800" dirty="0">
+                <a:solidFill>
+                  <a:srgbClr val="FF0000"/>
+                </a:solidFill>
                 <a:latin typeface="David" panose="020E0502060401010101" pitchFamily="34" charset="-79"/>
                 <a:cs typeface="David" panose="020E0502060401010101" pitchFamily="34" charset="-79"/>
               </a:endParaRPr>
@@ -3969,6 +3998,9 @@
               </a:pPr>
               <a:r>
                 <a:rPr lang="he-IL" dirty="0">
+                  <a:solidFill>
+                    <a:srgbClr val="FF0000"/>
+                  </a:solidFill>
                   <a:latin typeface="David" panose="020E0502060401010101" pitchFamily="34" charset="-79"/>
                   <a:cs typeface="David" panose="020E0502060401010101" pitchFamily="34" charset="-79"/>
                 </a:rPr>
@@ -3976,6 +4008,9 @@
               </a:r>
               <a:r>
                 <a:rPr lang="he-IL" dirty="0" smtClean="0">
+                  <a:solidFill>
+                    <a:srgbClr val="FF0000"/>
+                  </a:solidFill>
                   <a:latin typeface="David" panose="020E0502060401010101" pitchFamily="34" charset="-79"/>
                   <a:cs typeface="David" panose="020E0502060401010101" pitchFamily="34" charset="-79"/>
                 </a:rPr>
@@ -3990,6 +4025,9 @@
               </a:pPr>
               <a:r>
                 <a:rPr lang="he-IL" dirty="0">
+                  <a:solidFill>
+                    <a:srgbClr val="FF0000"/>
+                  </a:solidFill>
                   <a:latin typeface="David" panose="020E0502060401010101" pitchFamily="34" charset="-79"/>
                   <a:cs typeface="David" panose="020E0502060401010101" pitchFamily="34" charset="-79"/>
                 </a:rPr>
@@ -4052,6 +4090,30 @@
           </p:txBody>
         </p:sp>
       </p:grpSp>
+      <p:pic>
+        <p:nvPicPr>
+          <p:cNvPr id="9" name="Picture 8"/>
+          <p:cNvPicPr>
+            <a:picLocks noChangeAspect="1"/>
+          </p:cNvPicPr>
+          <p:nvPr/>
+        </p:nvPicPr>
+        <p:blipFill>
+          <a:blip r:embed="rId2"/>
+          <a:stretch>
+            <a:fillRect/>
+          </a:stretch>
+        </p:blipFill>
+        <p:spPr>
+          <a:xfrm>
+            <a:off x="5280291" y="2440779"/>
+            <a:ext cx="1727289" cy="596931"/>
+          </a:xfrm>
+          <a:prstGeom prst="rect">
+            <a:avLst/>
+          </a:prstGeom>
+        </p:spPr>
+      </p:pic>
     </p:spTree>
     <p:extLst>
       <p:ext uri="{BB962C8B-B14F-4D97-AF65-F5344CB8AC3E}">
@@ -4145,7 +4207,7 @@
                 <a:spcPct val="150000"/>
               </a:lnSpc>
             </a:pPr>
-            <a:endParaRPr lang="he-IL" sz="1553" dirty="0" smtClean="0">
+            <a:endParaRPr lang="he-IL" sz="2400" dirty="0" smtClean="0">
               <a:solidFill>
                 <a:schemeClr val="tx1"/>
               </a:solidFill>
@@ -4160,7 +4222,7 @@
               </a:lnSpc>
             </a:pPr>
             <a:r>
-              <a:rPr lang="he-IL" sz="1553" dirty="0" smtClean="0">
+              <a:rPr lang="he-IL" sz="2400" dirty="0" smtClean="0">
                 <a:solidFill>
                   <a:schemeClr val="tx1"/>
                 </a:solidFill>
@@ -4176,7 +4238,7 @@
                 <a:spcPct val="150000"/>
               </a:lnSpc>
             </a:pPr>
-            <a:endParaRPr lang="he-IL" sz="1553" dirty="0">
+            <a:endParaRPr lang="he-IL" sz="2400" dirty="0">
               <a:solidFill>
                 <a:schemeClr val="tx1"/>
               </a:solidFill>
@@ -4191,7 +4253,7 @@
               </a:lnSpc>
             </a:pPr>
             <a:r>
-              <a:rPr lang="he-IL" sz="1553" dirty="0" smtClean="0">
+              <a:rPr lang="he-IL" sz="2400" dirty="0" smtClean="0">
                 <a:solidFill>
                   <a:schemeClr val="tx1"/>
                 </a:solidFill>
@@ -4201,7 +4263,7 @@
               <a:t>כאשר זיהית חזרה על אותו משפט, </a:t>
             </a:r>
             <a:r>
-              <a:rPr lang="he-IL" sz="1553" b="1" dirty="0" smtClean="0">
+              <a:rPr lang="he-IL" sz="2400" b="1" dirty="0" smtClean="0">
                 <a:solidFill>
                   <a:schemeClr val="tx1"/>
                 </a:solidFill>
@@ -4211,7 +4273,7 @@
               <a:t>לחץ/י על כפתור ימין או שמאל בהתאם לצד בו שמעת את המשפט שחזר על עצמו פעמיים ברצף</a:t>
             </a:r>
             <a:r>
-              <a:rPr lang="he-IL" sz="1553" dirty="0" smtClean="0">
+              <a:rPr lang="he-IL" sz="2400" dirty="0" smtClean="0">
                 <a:solidFill>
                   <a:schemeClr val="tx1"/>
                 </a:solidFill>
@@ -4227,7 +4289,7 @@
                 <a:spcPct val="150000"/>
               </a:lnSpc>
             </a:pPr>
-            <a:endParaRPr lang="he-IL" sz="1553" dirty="0" smtClean="0">
+            <a:endParaRPr lang="he-IL" sz="2400" dirty="0" smtClean="0">
               <a:solidFill>
                 <a:schemeClr val="tx1"/>
               </a:solidFill>
@@ -4241,7 +4303,7 @@
                 <a:spcPct val="150000"/>
               </a:lnSpc>
             </a:pPr>
-            <a:endParaRPr lang="he-IL" sz="1553" dirty="0">
+            <a:endParaRPr lang="he-IL" sz="2400" dirty="0">
               <a:solidFill>
                 <a:schemeClr val="tx1"/>
               </a:solidFill>
@@ -4255,7 +4317,7 @@
                 <a:spcPct val="150000"/>
               </a:lnSpc>
             </a:pPr>
-            <a:endParaRPr lang="he-IL" sz="1553" dirty="0" smtClean="0">
+            <a:endParaRPr lang="he-IL" sz="2400" dirty="0" smtClean="0">
               <a:solidFill>
                 <a:schemeClr val="tx1"/>
               </a:solidFill>
@@ -4269,7 +4331,7 @@
                 <a:spcPct val="150000"/>
               </a:lnSpc>
             </a:pPr>
-            <a:endParaRPr lang="he-IL" sz="1553" dirty="0">
+            <a:endParaRPr lang="he-IL" sz="2400" dirty="0">
               <a:solidFill>
                 <a:schemeClr val="tx1"/>
               </a:solidFill>
@@ -4283,7 +4345,7 @@
                 <a:spcPct val="150000"/>
               </a:lnSpc>
             </a:pPr>
-            <a:endParaRPr lang="he-IL" sz="1553" dirty="0" smtClean="0">
+            <a:endParaRPr lang="he-IL" sz="2400" dirty="0" smtClean="0">
               <a:solidFill>
                 <a:schemeClr val="tx1"/>
               </a:solidFill>
@@ -4297,7 +4359,7 @@
                 <a:spcPct val="150000"/>
               </a:lnSpc>
             </a:pPr>
-            <a:endParaRPr lang="he-IL" sz="1553" dirty="0">
+            <a:endParaRPr lang="he-IL" sz="2400" dirty="0">
               <a:solidFill>
                 <a:schemeClr val="tx1"/>
               </a:solidFill>
@@ -4311,7 +4373,7 @@
                 <a:spcPct val="150000"/>
               </a:lnSpc>
             </a:pPr>
-            <a:endParaRPr lang="he-IL" sz="1553" dirty="0" smtClean="0">
+            <a:endParaRPr lang="he-IL" sz="2400" dirty="0" smtClean="0">
               <a:solidFill>
                 <a:schemeClr val="tx1"/>
               </a:solidFill>
@@ -4325,7 +4387,7 @@
                 <a:spcPct val="150000"/>
               </a:lnSpc>
             </a:pPr>
-            <a:endParaRPr lang="he-IL" sz="1553" dirty="0">
+            <a:endParaRPr lang="he-IL" sz="2400" dirty="0">
               <a:solidFill>
                 <a:schemeClr val="tx1"/>
               </a:solidFill>
@@ -4399,6 +4461,16 @@
           <a:p>
             <a:pPr algn="ctr" rtl="1"/>
             <a:r>
+              <a:rPr lang="he-IL" sz="1937" u="sng" dirty="0" smtClean="0">
+                <a:solidFill>
+                  <a:schemeClr val="tx1"/>
+                </a:solidFill>
+                <a:latin typeface="David" panose="020E0502060401010101" pitchFamily="34" charset="-79"/>
+                <a:cs typeface="David" panose="020E0502060401010101" pitchFamily="34" charset="-79"/>
+              </a:rPr>
+              <a:t> לחץ/י </a:t>
+            </a:r>
+            <a:r>
               <a:rPr lang="he-IL" sz="1937" u="sng" dirty="0">
                 <a:solidFill>
                   <a:schemeClr val="tx1"/>
@@ -4406,7 +4478,7 @@
                 <a:latin typeface="David" panose="020E0502060401010101" pitchFamily="34" charset="-79"/>
                 <a:cs typeface="David" panose="020E0502060401010101" pitchFamily="34" charset="-79"/>
               </a:rPr>
-              <a:t> </a:t>
+              <a:t>על מקש </a:t>
             </a:r>
             <a:r>
               <a:rPr lang="he-IL" sz="1937" u="sng" dirty="0" smtClean="0">
@@ -4416,37 +4488,7 @@
                 <a:latin typeface="David" panose="020E0502060401010101" pitchFamily="34" charset="-79"/>
                 <a:cs typeface="David" panose="020E0502060401010101" pitchFamily="34" charset="-79"/>
               </a:rPr>
-              <a:t>לחץ</a:t>
-            </a:r>
-            <a:r>
-              <a:rPr lang="he-IL" sz="1937" u="sng" dirty="0">
-                <a:solidFill>
-                  <a:schemeClr val="tx1"/>
-                </a:solidFill>
-                <a:latin typeface="David" panose="020E0502060401010101" pitchFamily="34" charset="-79"/>
-                <a:cs typeface="David" panose="020E0502060401010101" pitchFamily="34" charset="-79"/>
-              </a:rPr>
-              <a:t>/י</a:t>
-            </a:r>
-            <a:r>
-              <a:rPr lang="he-IL" sz="1937" u="sng" dirty="0" smtClean="0">
-                <a:solidFill>
-                  <a:schemeClr val="tx1"/>
-                </a:solidFill>
-                <a:latin typeface="David" panose="020E0502060401010101" pitchFamily="34" charset="-79"/>
-                <a:cs typeface="David" panose="020E0502060401010101" pitchFamily="34" charset="-79"/>
-              </a:rPr>
-              <a:t> </a:t>
-            </a:r>
-            <a:r>
-              <a:rPr lang="he-IL" sz="1937" u="sng" dirty="0">
-                <a:solidFill>
-                  <a:schemeClr val="tx1"/>
-                </a:solidFill>
-                <a:latin typeface="David" panose="020E0502060401010101" pitchFamily="34" charset="-79"/>
-                <a:cs typeface="David" panose="020E0502060401010101" pitchFamily="34" charset="-79"/>
-              </a:rPr>
-              <a:t>על אחד הכפתורים</a:t>
+              <a:t>רווח</a:t>
             </a:r>
             <a:endParaRPr lang="he-IL" sz="1937" dirty="0">
               <a:solidFill>
@@ -4551,7 +4593,7 @@
                 <a:spcPct val="150000"/>
               </a:lnSpc>
             </a:pPr>
-            <a:endParaRPr lang="he-IL" sz="1553" dirty="0" smtClean="0">
+            <a:endParaRPr lang="he-IL" sz="2400" dirty="0" smtClean="0">
               <a:solidFill>
                 <a:schemeClr val="tx1"/>
               </a:solidFill>
@@ -4566,7 +4608,7 @@
               </a:lnSpc>
             </a:pPr>
             <a:r>
-              <a:rPr lang="he-IL" sz="1553" dirty="0" smtClean="0">
+              <a:rPr lang="he-IL" sz="2400" dirty="0" smtClean="0">
                 <a:solidFill>
                   <a:schemeClr val="tx1"/>
                 </a:solidFill>
@@ -4582,7 +4624,7 @@
                 <a:spcPct val="150000"/>
               </a:lnSpc>
             </a:pPr>
-            <a:endParaRPr lang="he-IL" sz="1553" dirty="0">
+            <a:endParaRPr lang="he-IL" sz="2400" dirty="0">
               <a:solidFill>
                 <a:schemeClr val="tx1"/>
               </a:solidFill>
@@ -4597,7 +4639,7 @@
               </a:lnSpc>
             </a:pPr>
             <a:r>
-              <a:rPr lang="he-IL" sz="1553" dirty="0" smtClean="0">
+              <a:rPr lang="he-IL" sz="2400" dirty="0" smtClean="0">
                 <a:solidFill>
                   <a:schemeClr val="tx1"/>
                 </a:solidFill>
@@ -4607,7 +4649,7 @@
               <a:t>כאשר זיהית חזרה על אותו משפט, </a:t>
             </a:r>
             <a:r>
-              <a:rPr lang="he-IL" sz="1553" b="1" dirty="0" smtClean="0">
+              <a:rPr lang="he-IL" sz="2400" b="1" dirty="0" smtClean="0">
                 <a:solidFill>
                   <a:schemeClr val="tx1"/>
                 </a:solidFill>
@@ -4617,7 +4659,7 @@
               <a:t>לחץ/י על כפתור ימין או שמאל בהתאם לצד בו שמעת את המשפט שחזר על עצמו פעמיים ברצף</a:t>
             </a:r>
             <a:r>
-              <a:rPr lang="he-IL" sz="1553" dirty="0" smtClean="0">
+              <a:rPr lang="he-IL" sz="2400" dirty="0" smtClean="0">
                 <a:solidFill>
                   <a:schemeClr val="tx1"/>
                 </a:solidFill>
@@ -4633,7 +4675,7 @@
                 <a:spcPct val="150000"/>
               </a:lnSpc>
             </a:pPr>
-            <a:endParaRPr lang="he-IL" sz="1553" dirty="0" smtClean="0">
+            <a:endParaRPr lang="he-IL" sz="2400" dirty="0" smtClean="0">
               <a:solidFill>
                 <a:schemeClr val="tx1"/>
               </a:solidFill>
@@ -4647,7 +4689,7 @@
                 <a:spcPct val="150000"/>
               </a:lnSpc>
             </a:pPr>
-            <a:endParaRPr lang="he-IL" sz="1553" dirty="0">
+            <a:endParaRPr lang="he-IL" sz="2400" dirty="0">
               <a:solidFill>
                 <a:schemeClr val="tx1"/>
               </a:solidFill>
@@ -4661,7 +4703,7 @@
                 <a:spcPct val="150000"/>
               </a:lnSpc>
             </a:pPr>
-            <a:endParaRPr lang="he-IL" sz="1553" dirty="0" smtClean="0">
+            <a:endParaRPr lang="he-IL" sz="2400" dirty="0" smtClean="0">
               <a:solidFill>
                 <a:schemeClr val="tx1"/>
               </a:solidFill>
@@ -4675,7 +4717,7 @@
                 <a:spcPct val="150000"/>
               </a:lnSpc>
             </a:pPr>
-            <a:endParaRPr lang="he-IL" sz="1553" dirty="0">
+            <a:endParaRPr lang="he-IL" sz="2400" dirty="0">
               <a:solidFill>
                 <a:schemeClr val="tx1"/>
               </a:solidFill>
@@ -4689,7 +4731,7 @@
                 <a:spcPct val="150000"/>
               </a:lnSpc>
             </a:pPr>
-            <a:endParaRPr lang="he-IL" sz="1553" dirty="0" smtClean="0">
+            <a:endParaRPr lang="he-IL" sz="2400" dirty="0" smtClean="0">
               <a:solidFill>
                 <a:schemeClr val="tx1"/>
               </a:solidFill>
@@ -4703,7 +4745,7 @@
                 <a:spcPct val="150000"/>
               </a:lnSpc>
             </a:pPr>
-            <a:endParaRPr lang="he-IL" sz="1553" dirty="0">
+            <a:endParaRPr lang="he-IL" sz="2400" dirty="0">
               <a:solidFill>
                 <a:schemeClr val="tx1"/>
               </a:solidFill>
@@ -4717,7 +4759,7 @@
                 <a:spcPct val="150000"/>
               </a:lnSpc>
             </a:pPr>
-            <a:endParaRPr lang="he-IL" sz="1553" dirty="0" smtClean="0">
+            <a:endParaRPr lang="he-IL" sz="2400" dirty="0" smtClean="0">
               <a:solidFill>
                 <a:schemeClr val="tx1"/>
               </a:solidFill>
@@ -4731,7 +4773,7 @@
                 <a:spcPct val="150000"/>
               </a:lnSpc>
             </a:pPr>
-            <a:endParaRPr lang="he-IL" sz="1553" dirty="0">
+            <a:endParaRPr lang="he-IL" sz="2400" dirty="0">
               <a:solidFill>
                 <a:schemeClr val="tx1"/>
               </a:solidFill>
@@ -4852,7 +4894,17 @@
                 <a:latin typeface="David" panose="020E0502060401010101" pitchFamily="34" charset="-79"/>
                 <a:cs typeface="David" panose="020E0502060401010101" pitchFamily="34" charset="-79"/>
               </a:rPr>
-              <a:t>על אחד הכפתורים</a:t>
+              <a:t>על </a:t>
+            </a:r>
+            <a:r>
+              <a:rPr lang="he-IL" sz="1937" u="sng" dirty="0">
+                <a:solidFill>
+                  <a:schemeClr val="tx1"/>
+                </a:solidFill>
+                <a:latin typeface="David" panose="020E0502060401010101" pitchFamily="34" charset="-79"/>
+                <a:cs typeface="David" panose="020E0502060401010101" pitchFamily="34" charset="-79"/>
+              </a:rPr>
+              <a:t>מקש רווח</a:t>
             </a:r>
             <a:endParaRPr lang="he-IL" sz="1937" dirty="0">
               <a:solidFill>
@@ -4957,7 +5009,7 @@
                 <a:spcPct val="150000"/>
               </a:lnSpc>
             </a:pPr>
-            <a:endParaRPr lang="he-IL" sz="1553" dirty="0" smtClean="0">
+            <a:endParaRPr lang="he-IL" sz="2400" dirty="0" smtClean="0">
               <a:solidFill>
                 <a:schemeClr val="tx1"/>
               </a:solidFill>
@@ -4972,34 +5024,14 @@
               </a:lnSpc>
             </a:pPr>
             <a:r>
-              <a:rPr lang="he-IL" sz="1553" dirty="0" smtClean="0">
-                <a:solidFill>
-                  <a:schemeClr val="tx1"/>
-                </a:solidFill>
-                <a:latin typeface="David" panose="020E0502060401010101" pitchFamily="34" charset="-79"/>
-                <a:cs typeface="David" panose="020E0502060401010101" pitchFamily="34" charset="-79"/>
-              </a:rPr>
-              <a:t>הסתיים </a:t>
-            </a:r>
-            <a:r>
-              <a:rPr lang="he-IL" sz="1553" dirty="0" smtClean="0">
-                <a:solidFill>
-                  <a:schemeClr val="tx1"/>
-                </a:solidFill>
-                <a:latin typeface="David" panose="020E0502060401010101" pitchFamily="34" charset="-79"/>
-                <a:cs typeface="David" panose="020E0502060401010101" pitchFamily="34" charset="-79"/>
-              </a:rPr>
-              <a:t>האימון</a:t>
-            </a:r>
-            <a:r>
-              <a:rPr lang="he-IL" sz="1553" dirty="0" smtClean="0">
-                <a:solidFill>
-                  <a:schemeClr val="tx1"/>
-                </a:solidFill>
-                <a:latin typeface="David" panose="020E0502060401010101" pitchFamily="34" charset="-79"/>
-                <a:cs typeface="David" panose="020E0502060401010101" pitchFamily="34" charset="-79"/>
-              </a:rPr>
-              <a:t>, כעת נתחיל במטלה.</a:t>
+              <a:rPr lang="he-IL" sz="2400" dirty="0" smtClean="0">
+                <a:solidFill>
+                  <a:schemeClr val="tx1"/>
+                </a:solidFill>
+                <a:latin typeface="David" panose="020E0502060401010101" pitchFamily="34" charset="-79"/>
+                <a:cs typeface="David" panose="020E0502060401010101" pitchFamily="34" charset="-79"/>
+              </a:rPr>
+              <a:t>הסתיים האימון, כעת נתחיל במטלה.</a:t>
             </a:r>
           </a:p>
           <a:p>
@@ -5008,7 +5040,7 @@
                 <a:spcPct val="150000"/>
               </a:lnSpc>
             </a:pPr>
-            <a:endParaRPr lang="he-IL" sz="1553" dirty="0">
+            <a:endParaRPr lang="he-IL" sz="2400" dirty="0">
               <a:solidFill>
                 <a:schemeClr val="tx1"/>
               </a:solidFill>
@@ -5023,17 +5055,27 @@
               </a:lnSpc>
             </a:pPr>
             <a:r>
-              <a:rPr lang="he-IL" sz="1553" dirty="0" smtClean="0">
-                <a:solidFill>
-                  <a:schemeClr val="tx1"/>
-                </a:solidFill>
-                <a:latin typeface="David" panose="020E0502060401010101" pitchFamily="34" charset="-79"/>
-                <a:cs typeface="David" panose="020E0502060401010101" pitchFamily="34" charset="-79"/>
-              </a:rPr>
-              <a:t>להזכיר, כאשר זיהית חזרה על אותו משפט, </a:t>
-            </a:r>
-            <a:r>
-              <a:rPr lang="he-IL" sz="1553" b="1" dirty="0" smtClean="0">
+              <a:rPr lang="he-IL" sz="2400" dirty="0" smtClean="0">
+                <a:solidFill>
+                  <a:schemeClr val="tx1"/>
+                </a:solidFill>
+                <a:latin typeface="David" panose="020E0502060401010101" pitchFamily="34" charset="-79"/>
+                <a:cs typeface="David" panose="020E0502060401010101" pitchFamily="34" charset="-79"/>
+              </a:rPr>
+              <a:t>כאשר </a:t>
+            </a:r>
+            <a:r>
+              <a:rPr lang="he-IL" sz="2400" dirty="0" smtClean="0">
+                <a:solidFill>
+                  <a:schemeClr val="tx1"/>
+                </a:solidFill>
+                <a:latin typeface="David" panose="020E0502060401010101" pitchFamily="34" charset="-79"/>
+                <a:cs typeface="David" panose="020E0502060401010101" pitchFamily="34" charset="-79"/>
+              </a:rPr>
+              <a:t>זיהית חזרה על אותו משפט, </a:t>
+            </a:r>
+            <a:r>
+              <a:rPr lang="he-IL" sz="2400" b="1" dirty="0" smtClean="0">
                 <a:solidFill>
                   <a:schemeClr val="tx1"/>
                 </a:solidFill>
@@ -5043,7 +5085,7 @@
               <a:t>לחץ/י על כפתור ימין או שמאל בהתאם לצד בו שמעת את המשפט שחזר על עצמו פעמיים ברצף</a:t>
             </a:r>
             <a:r>
-              <a:rPr lang="he-IL" sz="1553" dirty="0" smtClean="0">
+              <a:rPr lang="he-IL" sz="2400" dirty="0" smtClean="0">
                 <a:solidFill>
                   <a:schemeClr val="tx1"/>
                 </a:solidFill>
@@ -5059,7 +5101,7 @@
                 <a:spcPct val="150000"/>
               </a:lnSpc>
             </a:pPr>
-            <a:endParaRPr lang="he-IL" sz="1553" dirty="0">
+            <a:endParaRPr lang="he-IL" sz="2400" dirty="0">
               <a:solidFill>
                 <a:schemeClr val="tx1"/>
               </a:solidFill>
@@ -5074,7 +5116,7 @@
               </a:lnSpc>
             </a:pPr>
             <a:r>
-              <a:rPr lang="he-IL" sz="1553" dirty="0" smtClean="0">
+              <a:rPr lang="he-IL" sz="2400" dirty="0" smtClean="0">
                 <a:solidFill>
                   <a:schemeClr val="tx1"/>
                 </a:solidFill>
@@ -5090,7 +5132,7 @@
                 <a:spcPct val="150000"/>
               </a:lnSpc>
             </a:pPr>
-            <a:endParaRPr lang="he-IL" sz="1553" dirty="0" smtClean="0">
+            <a:endParaRPr lang="he-IL" sz="2400" dirty="0" smtClean="0">
               <a:solidFill>
                 <a:schemeClr val="tx1"/>
               </a:solidFill>
@@ -5104,7 +5146,7 @@
                 <a:spcPct val="150000"/>
               </a:lnSpc>
             </a:pPr>
-            <a:endParaRPr lang="he-IL" sz="1553" dirty="0">
+            <a:endParaRPr lang="he-IL" sz="2400" dirty="0">
               <a:solidFill>
                 <a:schemeClr val="tx1"/>
               </a:solidFill>
@@ -5118,7 +5160,7 @@
                 <a:spcPct val="150000"/>
               </a:lnSpc>
             </a:pPr>
-            <a:endParaRPr lang="he-IL" sz="1553" dirty="0" smtClean="0">
+            <a:endParaRPr lang="he-IL" sz="2400" dirty="0" smtClean="0">
               <a:solidFill>
                 <a:schemeClr val="tx1"/>
               </a:solidFill>
@@ -5132,7 +5174,7 @@
                 <a:spcPct val="150000"/>
               </a:lnSpc>
             </a:pPr>
-            <a:endParaRPr lang="he-IL" sz="1553" dirty="0">
+            <a:endParaRPr lang="he-IL" sz="2400" dirty="0">
               <a:solidFill>
                 <a:schemeClr val="tx1"/>
               </a:solidFill>
@@ -5146,7 +5188,7 @@
                 <a:spcPct val="150000"/>
               </a:lnSpc>
             </a:pPr>
-            <a:endParaRPr lang="he-IL" sz="1553" dirty="0" smtClean="0">
+            <a:endParaRPr lang="he-IL" sz="2400" dirty="0" smtClean="0">
               <a:solidFill>
                 <a:schemeClr val="tx1"/>
               </a:solidFill>
@@ -5160,7 +5202,7 @@
                 <a:spcPct val="150000"/>
               </a:lnSpc>
             </a:pPr>
-            <a:endParaRPr lang="he-IL" sz="1553" dirty="0">
+            <a:endParaRPr lang="he-IL" sz="2400" dirty="0">
               <a:solidFill>
                 <a:schemeClr val="tx1"/>
               </a:solidFill>
@@ -5174,7 +5216,7 @@
                 <a:spcPct val="150000"/>
               </a:lnSpc>
             </a:pPr>
-            <a:endParaRPr lang="he-IL" sz="1553" dirty="0" smtClean="0">
+            <a:endParaRPr lang="he-IL" sz="2400" dirty="0" smtClean="0">
               <a:solidFill>
                 <a:schemeClr val="tx1"/>
               </a:solidFill>
@@ -5188,7 +5230,7 @@
                 <a:spcPct val="150000"/>
               </a:lnSpc>
             </a:pPr>
-            <a:endParaRPr lang="he-IL" sz="1553" dirty="0">
+            <a:endParaRPr lang="he-IL" sz="2400" dirty="0">
               <a:solidFill>
                 <a:schemeClr val="tx1"/>
               </a:solidFill>
@@ -5289,7 +5331,17 @@
                 <a:latin typeface="David" panose="020E0502060401010101" pitchFamily="34" charset="-79"/>
                 <a:cs typeface="David" panose="020E0502060401010101" pitchFamily="34" charset="-79"/>
               </a:rPr>
-              <a:t>על אחד הכפתורים</a:t>
+              <a:t>על </a:t>
+            </a:r>
+            <a:r>
+              <a:rPr lang="he-IL" sz="1937" u="sng" dirty="0">
+                <a:solidFill>
+                  <a:schemeClr val="tx1"/>
+                </a:solidFill>
+                <a:latin typeface="David" panose="020E0502060401010101" pitchFamily="34" charset="-79"/>
+                <a:cs typeface="David" panose="020E0502060401010101" pitchFamily="34" charset="-79"/>
+              </a:rPr>
+              <a:t>מקש רווח</a:t>
             </a:r>
             <a:endParaRPr lang="he-IL" sz="1937" dirty="0">
               <a:solidFill>
@@ -5552,27 +5604,7 @@
                 <a:latin typeface="David" panose="020E0502060401010101" pitchFamily="34" charset="-79"/>
                 <a:cs typeface="David" panose="020E0502060401010101" pitchFamily="34" charset="-79"/>
               </a:rPr>
-              <a:t>כאשר את/ה מוכן/ה להמשיך במטלה</a:t>
-            </a:r>
-            <a:r>
-              <a:rPr lang="he-IL" sz="2400" smtClean="0">
-                <a:solidFill>
-                  <a:schemeClr val="tx1"/>
-                </a:solidFill>
-                <a:latin typeface="David" panose="020E0502060401010101" pitchFamily="34" charset="-79"/>
-                <a:cs typeface="David" panose="020E0502060401010101" pitchFamily="34" charset="-79"/>
-              </a:rPr>
-              <a:t>, לחץ/י </a:t>
-            </a:r>
-            <a:r>
-              <a:rPr lang="he-IL" sz="2400" dirty="0" smtClean="0">
-                <a:solidFill>
-                  <a:schemeClr val="tx1"/>
-                </a:solidFill>
-                <a:latin typeface="David" panose="020E0502060401010101" pitchFamily="34" charset="-79"/>
-                <a:cs typeface="David" panose="020E0502060401010101" pitchFamily="34" charset="-79"/>
-              </a:rPr>
-              <a:t>על אחד הכפתורים.</a:t>
+              <a:t>כאשר את/ה מוכן/ה להמשיך במטלה, לחץ/י על אחד הכפתורים.</a:t>
             </a:r>
           </a:p>
           <a:p>
@@ -5734,7 +5766,17 @@
                 <a:latin typeface="David" panose="020E0502060401010101" pitchFamily="34" charset="-79"/>
                 <a:cs typeface="David" panose="020E0502060401010101" pitchFamily="34" charset="-79"/>
               </a:rPr>
-              <a:t>על אחד הכפתורים</a:t>
+              <a:t>על </a:t>
+            </a:r>
+            <a:r>
+              <a:rPr lang="he-IL" sz="1937" u="sng" dirty="0">
+                <a:solidFill>
+                  <a:schemeClr val="tx1"/>
+                </a:solidFill>
+                <a:latin typeface="David" panose="020E0502060401010101" pitchFamily="34" charset="-79"/>
+                <a:cs typeface="David" panose="020E0502060401010101" pitchFamily="34" charset="-79"/>
+              </a:rPr>
+              <a:t>מקש רווח</a:t>
             </a:r>
             <a:endParaRPr lang="he-IL" sz="1937" dirty="0">
               <a:solidFill>
@@ -6009,7 +6051,17 @@
                 <a:latin typeface="David" panose="020E0502060401010101" pitchFamily="34" charset="-79"/>
                 <a:cs typeface="David" panose="020E0502060401010101" pitchFamily="34" charset="-79"/>
               </a:rPr>
-              <a:t>על אחד הכפתורים</a:t>
+              <a:t>על </a:t>
+            </a:r>
+            <a:r>
+              <a:rPr lang="he-IL" sz="1937" u="sng" dirty="0">
+                <a:solidFill>
+                  <a:schemeClr val="tx1"/>
+                </a:solidFill>
+                <a:latin typeface="David" panose="020E0502060401010101" pitchFamily="34" charset="-79"/>
+                <a:cs typeface="David" panose="020E0502060401010101" pitchFamily="34" charset="-79"/>
+              </a:rPr>
+              <a:t>מקש רווח</a:t>
             </a:r>
             <a:endParaRPr lang="he-IL" sz="1937" dirty="0">
               <a:solidFill>

--- a/Instructions_Pictures/Dichotic/D1Binstructions (1).pptx
+++ b/Instructions_Pictures/Dichotic/D1Binstructions (1).pptx
@@ -160,7 +160,7 @@
           </a:lstStyle>
           <a:p>
             <a:r>
-              <a:rPr lang="en-US" smtClean="0"/>
+              <a:rPr lang="en-US"/>
               <a:t>Click to edit Master title style</a:t>
             </a:r>
             <a:endParaRPr lang="he-IL"/>
@@ -225,7 +225,7 @@
           </a:lstStyle>
           <a:p>
             <a:r>
-              <a:rPr lang="en-US" smtClean="0"/>
+              <a:rPr lang="en-US"/>
               <a:t>Click to edit Master subtitle style</a:t>
             </a:r>
             <a:endParaRPr lang="he-IL"/>
@@ -249,7 +249,7 @@
           <a:p>
             <a:fld id="{4476BBAF-3BF1-4078-A5DF-44D473DCBE61}" type="datetimeFigureOut">
               <a:rPr lang="he-IL" smtClean="0"/>
-              <a:t>כ"ח/תמוז/תש"ף</a:t>
+              <a:t>ט'/אב/תשפ"א</a:t>
             </a:fld>
             <a:endParaRPr lang="he-IL"/>
           </a:p>
@@ -343,7 +343,7 @@
           <a:lstStyle/>
           <a:p>
             <a:r>
-              <a:rPr lang="en-US" smtClean="0"/>
+              <a:rPr lang="en-US"/>
               <a:t>Click to edit Master title style</a:t>
             </a:r>
             <a:endParaRPr lang="he-IL"/>
@@ -367,35 +367,35 @@
           <a:p>
             <a:pPr lvl="0"/>
             <a:r>
-              <a:rPr lang="en-US" smtClean="0"/>
+              <a:rPr lang="en-US"/>
               <a:t>Edit Master text styles</a:t>
             </a:r>
           </a:p>
           <a:p>
             <a:pPr lvl="1"/>
             <a:r>
-              <a:rPr lang="en-US" smtClean="0"/>
+              <a:rPr lang="en-US"/>
               <a:t>Second level</a:t>
             </a:r>
           </a:p>
           <a:p>
             <a:pPr lvl="2"/>
             <a:r>
-              <a:rPr lang="en-US" smtClean="0"/>
+              <a:rPr lang="en-US"/>
               <a:t>Third level</a:t>
             </a:r>
           </a:p>
           <a:p>
             <a:pPr lvl="3"/>
             <a:r>
-              <a:rPr lang="en-US" smtClean="0"/>
+              <a:rPr lang="en-US"/>
               <a:t>Fourth level</a:t>
             </a:r>
           </a:p>
           <a:p>
             <a:pPr lvl="4"/>
             <a:r>
-              <a:rPr lang="en-US" smtClean="0"/>
+              <a:rPr lang="en-US"/>
               <a:t>Fifth level</a:t>
             </a:r>
             <a:endParaRPr lang="he-IL"/>
@@ -419,7 +419,7 @@
           <a:p>
             <a:fld id="{4476BBAF-3BF1-4078-A5DF-44D473DCBE61}" type="datetimeFigureOut">
               <a:rPr lang="he-IL" smtClean="0"/>
-              <a:t>כ"ח/תמוז/תש"ף</a:t>
+              <a:t>ט'/אב/תשפ"א</a:t>
             </a:fld>
             <a:endParaRPr lang="he-IL"/>
           </a:p>
@@ -518,7 +518,7 @@
           <a:lstStyle/>
           <a:p>
             <a:r>
-              <a:rPr lang="en-US" smtClean="0"/>
+              <a:rPr lang="en-US"/>
               <a:t>Click to edit Master title style</a:t>
             </a:r>
             <a:endParaRPr lang="he-IL"/>
@@ -547,35 +547,35 @@
           <a:p>
             <a:pPr lvl="0"/>
             <a:r>
-              <a:rPr lang="en-US" smtClean="0"/>
+              <a:rPr lang="en-US"/>
               <a:t>Edit Master text styles</a:t>
             </a:r>
           </a:p>
           <a:p>
             <a:pPr lvl="1"/>
             <a:r>
-              <a:rPr lang="en-US" smtClean="0"/>
+              <a:rPr lang="en-US"/>
               <a:t>Second level</a:t>
             </a:r>
           </a:p>
           <a:p>
             <a:pPr lvl="2"/>
             <a:r>
-              <a:rPr lang="en-US" smtClean="0"/>
+              <a:rPr lang="en-US"/>
               <a:t>Third level</a:t>
             </a:r>
           </a:p>
           <a:p>
             <a:pPr lvl="3"/>
             <a:r>
-              <a:rPr lang="en-US" smtClean="0"/>
+              <a:rPr lang="en-US"/>
               <a:t>Fourth level</a:t>
             </a:r>
           </a:p>
           <a:p>
             <a:pPr lvl="4"/>
             <a:r>
-              <a:rPr lang="en-US" smtClean="0"/>
+              <a:rPr lang="en-US"/>
               <a:t>Fifth level</a:t>
             </a:r>
             <a:endParaRPr lang="he-IL"/>
@@ -599,7 +599,7 @@
           <a:p>
             <a:fld id="{4476BBAF-3BF1-4078-A5DF-44D473DCBE61}" type="datetimeFigureOut">
               <a:rPr lang="he-IL" smtClean="0"/>
-              <a:t>כ"ח/תמוז/תש"ף</a:t>
+              <a:t>ט'/אב/תשפ"א</a:t>
             </a:fld>
             <a:endParaRPr lang="he-IL"/>
           </a:p>
@@ -693,7 +693,7 @@
           <a:lstStyle/>
           <a:p>
             <a:r>
-              <a:rPr lang="en-US" smtClean="0"/>
+              <a:rPr lang="en-US"/>
               <a:t>Click to edit Master title style</a:t>
             </a:r>
             <a:endParaRPr lang="he-IL"/>
@@ -717,35 +717,35 @@
           <a:p>
             <a:pPr lvl="0"/>
             <a:r>
-              <a:rPr lang="en-US" smtClean="0"/>
+              <a:rPr lang="en-US"/>
               <a:t>Edit Master text styles</a:t>
             </a:r>
           </a:p>
           <a:p>
             <a:pPr lvl="1"/>
             <a:r>
-              <a:rPr lang="en-US" smtClean="0"/>
+              <a:rPr lang="en-US"/>
               <a:t>Second level</a:t>
             </a:r>
           </a:p>
           <a:p>
             <a:pPr lvl="2"/>
             <a:r>
-              <a:rPr lang="en-US" smtClean="0"/>
+              <a:rPr lang="en-US"/>
               <a:t>Third level</a:t>
             </a:r>
           </a:p>
           <a:p>
             <a:pPr lvl="3"/>
             <a:r>
-              <a:rPr lang="en-US" smtClean="0"/>
+              <a:rPr lang="en-US"/>
               <a:t>Fourth level</a:t>
             </a:r>
           </a:p>
           <a:p>
             <a:pPr lvl="4"/>
             <a:r>
-              <a:rPr lang="en-US" smtClean="0"/>
+              <a:rPr lang="en-US"/>
               <a:t>Fifth level</a:t>
             </a:r>
             <a:endParaRPr lang="he-IL"/>
@@ -769,7 +769,7 @@
           <a:p>
             <a:fld id="{4476BBAF-3BF1-4078-A5DF-44D473DCBE61}" type="datetimeFigureOut">
               <a:rPr lang="he-IL" smtClean="0"/>
-              <a:t>כ"ח/תמוז/תש"ף</a:t>
+              <a:t>ט'/אב/תשפ"א</a:t>
             </a:fld>
             <a:endParaRPr lang="he-IL"/>
           </a:p>
@@ -872,7 +872,7 @@
           </a:lstStyle>
           <a:p>
             <a:r>
-              <a:rPr lang="en-US" smtClean="0"/>
+              <a:rPr lang="en-US"/>
               <a:t>Click to edit Master title style</a:t>
             </a:r>
             <a:endParaRPr lang="he-IL"/>
@@ -992,7 +992,7 @@
           <a:p>
             <a:pPr lvl="0"/>
             <a:r>
-              <a:rPr lang="en-US" smtClean="0"/>
+              <a:rPr lang="en-US"/>
               <a:t>Edit Master text styles</a:t>
             </a:r>
           </a:p>
@@ -1015,7 +1015,7 @@
           <a:p>
             <a:fld id="{4476BBAF-3BF1-4078-A5DF-44D473DCBE61}" type="datetimeFigureOut">
               <a:rPr lang="he-IL" smtClean="0"/>
-              <a:t>כ"ח/תמוז/תש"ף</a:t>
+              <a:t>ט'/אב/תשפ"א</a:t>
             </a:fld>
             <a:endParaRPr lang="he-IL"/>
           </a:p>
@@ -1109,7 +1109,7 @@
           <a:lstStyle/>
           <a:p>
             <a:r>
-              <a:rPr lang="en-US" smtClean="0"/>
+              <a:rPr lang="en-US"/>
               <a:t>Click to edit Master title style</a:t>
             </a:r>
             <a:endParaRPr lang="he-IL"/>
@@ -1138,35 +1138,35 @@
           <a:p>
             <a:pPr lvl="0"/>
             <a:r>
-              <a:rPr lang="en-US" smtClean="0"/>
+              <a:rPr lang="en-US"/>
               <a:t>Edit Master text styles</a:t>
             </a:r>
           </a:p>
           <a:p>
             <a:pPr lvl="1"/>
             <a:r>
-              <a:rPr lang="en-US" smtClean="0"/>
+              <a:rPr lang="en-US"/>
               <a:t>Second level</a:t>
             </a:r>
           </a:p>
           <a:p>
             <a:pPr lvl="2"/>
             <a:r>
-              <a:rPr lang="en-US" smtClean="0"/>
+              <a:rPr lang="en-US"/>
               <a:t>Third level</a:t>
             </a:r>
           </a:p>
           <a:p>
             <a:pPr lvl="3"/>
             <a:r>
-              <a:rPr lang="en-US" smtClean="0"/>
+              <a:rPr lang="en-US"/>
               <a:t>Fourth level</a:t>
             </a:r>
           </a:p>
           <a:p>
             <a:pPr lvl="4"/>
             <a:r>
-              <a:rPr lang="en-US" smtClean="0"/>
+              <a:rPr lang="en-US"/>
               <a:t>Fifth level</a:t>
             </a:r>
             <a:endParaRPr lang="he-IL"/>
@@ -1195,35 +1195,35 @@
           <a:p>
             <a:pPr lvl="0"/>
             <a:r>
-              <a:rPr lang="en-US" smtClean="0"/>
+              <a:rPr lang="en-US"/>
               <a:t>Edit Master text styles</a:t>
             </a:r>
           </a:p>
           <a:p>
             <a:pPr lvl="1"/>
             <a:r>
-              <a:rPr lang="en-US" smtClean="0"/>
+              <a:rPr lang="en-US"/>
               <a:t>Second level</a:t>
             </a:r>
           </a:p>
           <a:p>
             <a:pPr lvl="2"/>
             <a:r>
-              <a:rPr lang="en-US" smtClean="0"/>
+              <a:rPr lang="en-US"/>
               <a:t>Third level</a:t>
             </a:r>
           </a:p>
           <a:p>
             <a:pPr lvl="3"/>
             <a:r>
-              <a:rPr lang="en-US" smtClean="0"/>
+              <a:rPr lang="en-US"/>
               <a:t>Fourth level</a:t>
             </a:r>
           </a:p>
           <a:p>
             <a:pPr lvl="4"/>
             <a:r>
-              <a:rPr lang="en-US" smtClean="0"/>
+              <a:rPr lang="en-US"/>
               <a:t>Fifth level</a:t>
             </a:r>
             <a:endParaRPr lang="he-IL"/>
@@ -1247,7 +1247,7 @@
           <a:p>
             <a:fld id="{4476BBAF-3BF1-4078-A5DF-44D473DCBE61}" type="datetimeFigureOut">
               <a:rPr lang="he-IL" smtClean="0"/>
-              <a:t>כ"ח/תמוז/תש"ף</a:t>
+              <a:t>ט'/אב/תשפ"א</a:t>
             </a:fld>
             <a:endParaRPr lang="he-IL"/>
           </a:p>
@@ -1346,7 +1346,7 @@
           <a:lstStyle/>
           <a:p>
             <a:r>
-              <a:rPr lang="en-US" smtClean="0"/>
+              <a:rPr lang="en-US"/>
               <a:t>Click to edit Master title style</a:t>
             </a:r>
             <a:endParaRPr lang="he-IL"/>
@@ -1412,7 +1412,7 @@
           <a:p>
             <a:pPr lvl="0"/>
             <a:r>
-              <a:rPr lang="en-US" smtClean="0"/>
+              <a:rPr lang="en-US"/>
               <a:t>Edit Master text styles</a:t>
             </a:r>
           </a:p>
@@ -1440,35 +1440,35 @@
           <a:p>
             <a:pPr lvl="0"/>
             <a:r>
-              <a:rPr lang="en-US" smtClean="0"/>
+              <a:rPr lang="en-US"/>
               <a:t>Edit Master text styles</a:t>
             </a:r>
           </a:p>
           <a:p>
             <a:pPr lvl="1"/>
             <a:r>
-              <a:rPr lang="en-US" smtClean="0"/>
+              <a:rPr lang="en-US"/>
               <a:t>Second level</a:t>
             </a:r>
           </a:p>
           <a:p>
             <a:pPr lvl="2"/>
             <a:r>
-              <a:rPr lang="en-US" smtClean="0"/>
+              <a:rPr lang="en-US"/>
               <a:t>Third level</a:t>
             </a:r>
           </a:p>
           <a:p>
             <a:pPr lvl="3"/>
             <a:r>
-              <a:rPr lang="en-US" smtClean="0"/>
+              <a:rPr lang="en-US"/>
               <a:t>Fourth level</a:t>
             </a:r>
           </a:p>
           <a:p>
             <a:pPr lvl="4"/>
             <a:r>
-              <a:rPr lang="en-US" smtClean="0"/>
+              <a:rPr lang="en-US"/>
               <a:t>Fifth level</a:t>
             </a:r>
             <a:endParaRPr lang="he-IL"/>
@@ -1534,7 +1534,7 @@
           <a:p>
             <a:pPr lvl="0"/>
             <a:r>
-              <a:rPr lang="en-US" smtClean="0"/>
+              <a:rPr lang="en-US"/>
               <a:t>Edit Master text styles</a:t>
             </a:r>
           </a:p>
@@ -1562,35 +1562,35 @@
           <a:p>
             <a:pPr lvl="0"/>
             <a:r>
-              <a:rPr lang="en-US" smtClean="0"/>
+              <a:rPr lang="en-US"/>
               <a:t>Edit Master text styles</a:t>
             </a:r>
           </a:p>
           <a:p>
             <a:pPr lvl="1"/>
             <a:r>
-              <a:rPr lang="en-US" smtClean="0"/>
+              <a:rPr lang="en-US"/>
               <a:t>Second level</a:t>
             </a:r>
           </a:p>
           <a:p>
             <a:pPr lvl="2"/>
             <a:r>
-              <a:rPr lang="en-US" smtClean="0"/>
+              <a:rPr lang="en-US"/>
               <a:t>Third level</a:t>
             </a:r>
           </a:p>
           <a:p>
             <a:pPr lvl="3"/>
             <a:r>
-              <a:rPr lang="en-US" smtClean="0"/>
+              <a:rPr lang="en-US"/>
               <a:t>Fourth level</a:t>
             </a:r>
           </a:p>
           <a:p>
             <a:pPr lvl="4"/>
             <a:r>
-              <a:rPr lang="en-US" smtClean="0"/>
+              <a:rPr lang="en-US"/>
               <a:t>Fifth level</a:t>
             </a:r>
             <a:endParaRPr lang="he-IL"/>
@@ -1614,7 +1614,7 @@
           <a:p>
             <a:fld id="{4476BBAF-3BF1-4078-A5DF-44D473DCBE61}" type="datetimeFigureOut">
               <a:rPr lang="he-IL" smtClean="0"/>
-              <a:t>כ"ח/תמוז/תש"ף</a:t>
+              <a:t>ט'/אב/תשפ"א</a:t>
             </a:fld>
             <a:endParaRPr lang="he-IL"/>
           </a:p>
@@ -1708,7 +1708,7 @@
           <a:lstStyle/>
           <a:p>
             <a:r>
-              <a:rPr lang="en-US" smtClean="0"/>
+              <a:rPr lang="en-US"/>
               <a:t>Click to edit Master title style</a:t>
             </a:r>
             <a:endParaRPr lang="he-IL"/>
@@ -1732,7 +1732,7 @@
           <a:p>
             <a:fld id="{4476BBAF-3BF1-4078-A5DF-44D473DCBE61}" type="datetimeFigureOut">
               <a:rPr lang="he-IL" smtClean="0"/>
-              <a:t>כ"ח/תמוז/תש"ף</a:t>
+              <a:t>ט'/אב/תשפ"א</a:t>
             </a:fld>
             <a:endParaRPr lang="he-IL"/>
           </a:p>
@@ -1827,7 +1827,7 @@
           <a:p>
             <a:fld id="{4476BBAF-3BF1-4078-A5DF-44D473DCBE61}" type="datetimeFigureOut">
               <a:rPr lang="he-IL" smtClean="0"/>
-              <a:t>כ"ח/תמוז/תש"ף</a:t>
+              <a:t>ט'/אב/תשפ"א</a:t>
             </a:fld>
             <a:endParaRPr lang="he-IL"/>
           </a:p>
@@ -1930,7 +1930,7 @@
           </a:lstStyle>
           <a:p>
             <a:r>
-              <a:rPr lang="en-US" smtClean="0"/>
+              <a:rPr lang="en-US"/>
               <a:t>Click to edit Master title style</a:t>
             </a:r>
             <a:endParaRPr lang="he-IL"/>
@@ -1987,35 +1987,35 @@
           <a:p>
             <a:pPr lvl="0"/>
             <a:r>
-              <a:rPr lang="en-US" smtClean="0"/>
+              <a:rPr lang="en-US"/>
               <a:t>Edit Master text styles</a:t>
             </a:r>
           </a:p>
           <a:p>
             <a:pPr lvl="1"/>
             <a:r>
-              <a:rPr lang="en-US" smtClean="0"/>
+              <a:rPr lang="en-US"/>
               <a:t>Second level</a:t>
             </a:r>
           </a:p>
           <a:p>
             <a:pPr lvl="2"/>
             <a:r>
-              <a:rPr lang="en-US" smtClean="0"/>
+              <a:rPr lang="en-US"/>
               <a:t>Third level</a:t>
             </a:r>
           </a:p>
           <a:p>
             <a:pPr lvl="3"/>
             <a:r>
-              <a:rPr lang="en-US" smtClean="0"/>
+              <a:rPr lang="en-US"/>
               <a:t>Fourth level</a:t>
             </a:r>
           </a:p>
           <a:p>
             <a:pPr lvl="4"/>
             <a:r>
-              <a:rPr lang="en-US" smtClean="0"/>
+              <a:rPr lang="en-US"/>
               <a:t>Fifth level</a:t>
             </a:r>
             <a:endParaRPr lang="he-IL"/>
@@ -2081,7 +2081,7 @@
           <a:p>
             <a:pPr lvl="0"/>
             <a:r>
-              <a:rPr lang="en-US" smtClean="0"/>
+              <a:rPr lang="en-US"/>
               <a:t>Edit Master text styles</a:t>
             </a:r>
           </a:p>
@@ -2104,7 +2104,7 @@
           <a:p>
             <a:fld id="{4476BBAF-3BF1-4078-A5DF-44D473DCBE61}" type="datetimeFigureOut">
               <a:rPr lang="he-IL" smtClean="0"/>
-              <a:t>כ"ח/תמוז/תש"ף</a:t>
+              <a:t>ט'/אב/תשפ"א</a:t>
             </a:fld>
             <a:endParaRPr lang="he-IL"/>
           </a:p>
@@ -2207,7 +2207,7 @@
           </a:lstStyle>
           <a:p>
             <a:r>
-              <a:rPr lang="en-US" smtClean="0"/>
+              <a:rPr lang="en-US"/>
               <a:t>Click to edit Master title style</a:t>
             </a:r>
             <a:endParaRPr lang="he-IL"/>
@@ -2334,7 +2334,7 @@
           <a:p>
             <a:pPr lvl="0"/>
             <a:r>
-              <a:rPr lang="en-US" smtClean="0"/>
+              <a:rPr lang="en-US"/>
               <a:t>Edit Master text styles</a:t>
             </a:r>
           </a:p>
@@ -2357,7 +2357,7 @@
           <a:p>
             <a:fld id="{4476BBAF-3BF1-4078-A5DF-44D473DCBE61}" type="datetimeFigureOut">
               <a:rPr lang="he-IL" smtClean="0"/>
-              <a:t>כ"ח/תמוז/תש"ף</a:t>
+              <a:t>ט'/אב/תשפ"א</a:t>
             </a:fld>
             <a:endParaRPr lang="he-IL"/>
           </a:p>
@@ -2466,7 +2466,7 @@
           <a:lstStyle/>
           <a:p>
             <a:r>
-              <a:rPr lang="en-US" smtClean="0"/>
+              <a:rPr lang="en-US"/>
               <a:t>Click to edit Master title style</a:t>
             </a:r>
             <a:endParaRPr lang="he-IL"/>
@@ -2500,35 +2500,35 @@
           <a:p>
             <a:pPr lvl="0"/>
             <a:r>
-              <a:rPr lang="en-US" smtClean="0"/>
+              <a:rPr lang="en-US"/>
               <a:t>Edit Master text styles</a:t>
             </a:r>
           </a:p>
           <a:p>
             <a:pPr lvl="1"/>
             <a:r>
-              <a:rPr lang="en-US" smtClean="0"/>
+              <a:rPr lang="en-US"/>
               <a:t>Second level</a:t>
             </a:r>
           </a:p>
           <a:p>
             <a:pPr lvl="2"/>
             <a:r>
-              <a:rPr lang="en-US" smtClean="0"/>
+              <a:rPr lang="en-US"/>
               <a:t>Third level</a:t>
             </a:r>
           </a:p>
           <a:p>
             <a:pPr lvl="3"/>
             <a:r>
-              <a:rPr lang="en-US" smtClean="0"/>
+              <a:rPr lang="en-US"/>
               <a:t>Fourth level</a:t>
             </a:r>
           </a:p>
           <a:p>
             <a:pPr lvl="4"/>
             <a:r>
-              <a:rPr lang="en-US" smtClean="0"/>
+              <a:rPr lang="en-US"/>
               <a:t>Fifth level</a:t>
             </a:r>
             <a:endParaRPr lang="he-IL"/>
@@ -2570,7 +2570,7 @@
           <a:p>
             <a:fld id="{4476BBAF-3BF1-4078-A5DF-44D473DCBE61}" type="datetimeFigureOut">
               <a:rPr lang="he-IL" smtClean="0"/>
-              <a:t>כ"ח/תמוז/תש"ף</a:t>
+              <a:t>ט'/אב/תשפ"א</a:t>
             </a:fld>
             <a:endParaRPr lang="he-IL"/>
           </a:p>
@@ -3046,17 +3046,7 @@
                 <a:latin typeface="David" panose="020E0502060401010101" pitchFamily="34" charset="-79"/>
                 <a:cs typeface="David" panose="020E0502060401010101" pitchFamily="34" charset="-79"/>
               </a:rPr>
-              <a:t>כעת </a:t>
-            </a:r>
-            <a:r>
-              <a:rPr lang="he-IL" sz="1553" dirty="0" smtClean="0">
-                <a:solidFill>
-                  <a:schemeClr val="tx1"/>
-                </a:solidFill>
-                <a:latin typeface="David" panose="020E0502060401010101" pitchFamily="34" charset="-79"/>
-                <a:cs typeface="David" panose="020E0502060401010101" pitchFamily="34" charset="-79"/>
-              </a:rPr>
-              <a:t>תבצע/י מטלה נוספת.</a:t>
+              <a:t>כעת תבצע/י מטלה נוספת.</a:t>
             </a:r>
           </a:p>
           <a:p>
@@ -3065,16 +3055,6 @@
                 <a:spcPct val="150000"/>
               </a:lnSpc>
             </a:pPr>
-            <a:r>
-              <a:rPr lang="he-IL" sz="1553" dirty="0" smtClean="0">
-                <a:solidFill>
-                  <a:schemeClr val="tx1"/>
-                </a:solidFill>
-                <a:latin typeface="David" panose="020E0502060401010101" pitchFamily="34" charset="-79"/>
-                <a:cs typeface="David" panose="020E0502060401010101" pitchFamily="34" charset="-79"/>
-              </a:rPr>
-              <a:t>במטלה זו תשמע/י במקביל (באותו הזמן) רצף משפטים בכל אוזן. כלומר, באוזן ימין תשמע/י רצף משפטים ובאותו זמן באוזן </a:t>
-            </a:r>
             <a:r>
               <a:rPr lang="he-IL" sz="1553" dirty="0">
                 <a:solidFill>
@@ -3083,20 +3063,10 @@
                 <a:latin typeface="David" panose="020E0502060401010101" pitchFamily="34" charset="-79"/>
                 <a:cs typeface="David" panose="020E0502060401010101" pitchFamily="34" charset="-79"/>
               </a:rPr>
-              <a:t>שמאל </a:t>
-            </a:r>
-            <a:r>
-              <a:rPr lang="he-IL" sz="1553" dirty="0" smtClean="0">
-                <a:solidFill>
-                  <a:schemeClr val="tx1"/>
-                </a:solidFill>
-                <a:latin typeface="David" panose="020E0502060401010101" pitchFamily="34" charset="-79"/>
-                <a:cs typeface="David" panose="020E0502060401010101" pitchFamily="34" charset="-79"/>
-              </a:rPr>
-              <a:t>תשמע/י רצף שונה של משפטים. את/ה מתבקש/ת </a:t>
-            </a:r>
-            <a:r>
-              <a:rPr lang="he-IL" sz="1553" b="1" dirty="0" smtClean="0">
+              <a:t>במטלה זו תשמע/י במקביל (באותו הזמן) רצף משפטים בכל אוזן. כלומר, באוזן ימין תשמע/י רצף משפטים ובאותו זמן באוזן שמאל תשמע/י רצף שונה של משפטים. את/ה מתבקש/ת </a:t>
+            </a:r>
+            <a:r>
+              <a:rPr lang="he-IL" sz="1553" b="1" dirty="0">
                 <a:solidFill>
                   <a:schemeClr val="tx1"/>
                 </a:solidFill>
@@ -3106,84 +3076,14 @@
               <a:t>לזהות כאשר את/ה שומע/ת באותו צד את אותו המשפט פעמיים ברצף</a:t>
             </a:r>
             <a:r>
-              <a:rPr lang="he-IL" sz="1553" dirty="0" smtClean="0">
+              <a:rPr lang="he-IL" sz="1553" dirty="0">
                 <a:solidFill>
                   <a:schemeClr val="tx1"/>
                 </a:solidFill>
                 <a:latin typeface="David" panose="020E0502060401010101" pitchFamily="34" charset="-79"/>
                 <a:cs typeface="David" panose="020E0502060401010101" pitchFamily="34" charset="-79"/>
               </a:rPr>
-              <a:t>. </a:t>
-            </a:r>
-            <a:r>
-              <a:rPr lang="he-IL" sz="1553" dirty="0" smtClean="0">
-                <a:solidFill>
-                  <a:schemeClr val="tx1"/>
-                </a:solidFill>
-                <a:latin typeface="David" panose="020E0502060401010101" pitchFamily="34" charset="-79"/>
-                <a:cs typeface="David" panose="020E0502060401010101" pitchFamily="34" charset="-79"/>
-              </a:rPr>
-              <a:t>כאשר </a:t>
-            </a:r>
-            <a:r>
-              <a:rPr lang="he-IL" sz="1553" dirty="0" smtClean="0">
-                <a:solidFill>
-                  <a:schemeClr val="tx1"/>
-                </a:solidFill>
-                <a:latin typeface="David" panose="020E0502060401010101" pitchFamily="34" charset="-79"/>
-                <a:cs typeface="David" panose="020E0502060401010101" pitchFamily="34" charset="-79"/>
-              </a:rPr>
-              <a:t>זיהית חזרה על אותו משפט, </a:t>
-            </a:r>
-            <a:r>
-              <a:rPr lang="he-IL" sz="1553" b="1" dirty="0" smtClean="0">
-                <a:solidFill>
-                  <a:schemeClr val="tx1"/>
-                </a:solidFill>
-                <a:latin typeface="David" panose="020E0502060401010101" pitchFamily="34" charset="-79"/>
-                <a:cs typeface="David" panose="020E0502060401010101" pitchFamily="34" charset="-79"/>
-              </a:rPr>
-              <a:t>לחץ/י על </a:t>
-            </a:r>
-            <a:r>
-              <a:rPr lang="he-IL" sz="1553" b="1" dirty="0" smtClean="0">
-                <a:solidFill>
-                  <a:schemeClr val="tx1"/>
-                </a:solidFill>
-                <a:latin typeface="David" panose="020E0502060401010101" pitchFamily="34" charset="-79"/>
-                <a:cs typeface="David" panose="020E0502060401010101" pitchFamily="34" charset="-79"/>
-              </a:rPr>
-              <a:t>חץ</a:t>
-            </a:r>
-            <a:r>
-              <a:rPr lang="he-IL" sz="1553" b="1" dirty="0" smtClean="0">
-                <a:solidFill>
-                  <a:schemeClr val="tx1"/>
-                </a:solidFill>
-                <a:latin typeface="David" panose="020E0502060401010101" pitchFamily="34" charset="-79"/>
-                <a:cs typeface="David" panose="020E0502060401010101" pitchFamily="34" charset="-79"/>
-              </a:rPr>
-              <a:t> </a:t>
-            </a:r>
-            <a:r>
-              <a:rPr lang="he-IL" sz="1553" b="1" dirty="0" smtClean="0">
-                <a:solidFill>
-                  <a:schemeClr val="tx1"/>
-                </a:solidFill>
-                <a:latin typeface="David" panose="020E0502060401010101" pitchFamily="34" charset="-79"/>
-                <a:cs typeface="David" panose="020E0502060401010101" pitchFamily="34" charset="-79"/>
-              </a:rPr>
-              <a:t>ימין או שמאל </a:t>
-            </a:r>
-            <a:r>
-              <a:rPr lang="he-IL" sz="1553" b="1" dirty="0" smtClean="0">
-                <a:solidFill>
-                  <a:schemeClr val="tx1"/>
-                </a:solidFill>
-                <a:latin typeface="David" panose="020E0502060401010101" pitchFamily="34" charset="-79"/>
-                <a:cs typeface="David" panose="020E0502060401010101" pitchFamily="34" charset="-79"/>
-              </a:rPr>
-              <a:t>בפינה הימנית התחתונה במקלדת</a:t>
+              <a:t>. כאשר זיהית חזרה על אותו משפט, </a:t>
             </a:r>
             <a:r>
               <a:rPr lang="he-IL" sz="1553" b="1" dirty="0">
@@ -3193,30 +3093,50 @@
                 <a:latin typeface="David" panose="020E0502060401010101" pitchFamily="34" charset="-79"/>
                 <a:cs typeface="David" panose="020E0502060401010101" pitchFamily="34" charset="-79"/>
               </a:rPr>
-              <a:t>,</a:t>
-            </a:r>
-            <a:r>
-              <a:rPr lang="he-IL" sz="1553" b="1" dirty="0" smtClean="0">
+              <a:t>לחץ/י על מקש </a:t>
+            </a:r>
+            <a:r>
+              <a:rPr lang="he-IL" sz="1553" b="1" dirty="0" err="1">
                 <a:solidFill>
                   <a:schemeClr val="tx1"/>
                 </a:solidFill>
                 <a:latin typeface="David" panose="020E0502060401010101" pitchFamily="34" charset="-79"/>
                 <a:cs typeface="David" panose="020E0502060401010101" pitchFamily="34" charset="-79"/>
               </a:rPr>
-              <a:t> בהתאם </a:t>
-            </a:r>
-            <a:r>
-              <a:rPr lang="he-IL" sz="1553" b="1" dirty="0" smtClean="0">
+              <a:t>השיפט</a:t>
+            </a:r>
+            <a:r>
+              <a:rPr lang="he-IL" sz="1553" b="1" dirty="0">
                 <a:solidFill>
                   <a:schemeClr val="tx1"/>
                 </a:solidFill>
                 <a:latin typeface="David" panose="020E0502060401010101" pitchFamily="34" charset="-79"/>
                 <a:cs typeface="David" panose="020E0502060401010101" pitchFamily="34" charset="-79"/>
               </a:rPr>
-              <a:t>לצד בו שמעת את המשפט שחזר על עצמו (באותו צד) פעמיים ברצף</a:t>
-            </a:r>
-            <a:r>
-              <a:rPr lang="he-IL" sz="1553" dirty="0" smtClean="0">
+              <a:t> (</a:t>
+            </a:r>
+            <a:r>
+              <a:rPr lang="en-GB" sz="1553" b="1" dirty="0">
+                <a:solidFill>
+                  <a:schemeClr val="tx1"/>
+                </a:solidFill>
+                <a:latin typeface="David" panose="020E0502060401010101" pitchFamily="34" charset="-79"/>
+                <a:cs typeface="David" panose="020E0502060401010101" pitchFamily="34" charset="-79"/>
+              </a:rPr>
+              <a:t>Shift</a:t>
+            </a:r>
+            <a:r>
+              <a:rPr lang="he-IL" sz="1553" b="1" dirty="0">
+                <a:solidFill>
+                  <a:schemeClr val="tx1"/>
+                </a:solidFill>
+                <a:latin typeface="David" panose="020E0502060401010101" pitchFamily="34" charset="-79"/>
+                <a:cs typeface="David" panose="020E0502060401010101" pitchFamily="34" charset="-79"/>
+              </a:rPr>
+              <a:t>) הימני או השמאלי, בהתאם לצד בו שמעת את המשפט שחזר על עצמו (באותו צד) פעמיים ברצף</a:t>
+            </a:r>
+            <a:r>
+              <a:rPr lang="he-IL" sz="1553" dirty="0">
                 <a:solidFill>
                   <a:schemeClr val="tx1"/>
                 </a:solidFill>
@@ -3232,7 +3152,7 @@
                 <a:spcPct val="150000"/>
               </a:lnSpc>
             </a:pPr>
-            <a:endParaRPr lang="he-IL" sz="1553" dirty="0" smtClean="0">
+            <a:endParaRPr lang="en-GB" sz="1553" dirty="0">
               <a:solidFill>
                 <a:schemeClr val="tx1"/>
               </a:solidFill>
@@ -3260,7 +3180,7 @@
                 <a:spcPct val="150000"/>
               </a:lnSpc>
             </a:pPr>
-            <a:endParaRPr lang="he-IL" sz="1553" dirty="0" smtClean="0">
+            <a:endParaRPr lang="he-IL" sz="1553" dirty="0">
               <a:solidFill>
                 <a:schemeClr val="tx1"/>
               </a:solidFill>
@@ -3288,7 +3208,7 @@
                 <a:spcPct val="150000"/>
               </a:lnSpc>
             </a:pPr>
-            <a:endParaRPr lang="he-IL" sz="1553" dirty="0" smtClean="0">
+            <a:endParaRPr lang="he-IL" sz="1553" dirty="0">
               <a:solidFill>
                 <a:schemeClr val="tx1"/>
               </a:solidFill>
@@ -3316,7 +3236,21 @@
                 <a:spcPct val="150000"/>
               </a:lnSpc>
             </a:pPr>
-            <a:endParaRPr lang="he-IL" sz="1553" dirty="0" smtClean="0">
+            <a:endParaRPr lang="he-IL" sz="1553" dirty="0">
+              <a:solidFill>
+                <a:schemeClr val="tx1"/>
+              </a:solidFill>
+              <a:latin typeface="David" panose="020E0502060401010101" pitchFamily="34" charset="-79"/>
+              <a:cs typeface="David" panose="020E0502060401010101" pitchFamily="34" charset="-79"/>
+            </a:endParaRPr>
+          </a:p>
+          <a:p>
+            <a:pPr algn="r" rtl="1">
+              <a:lnSpc>
+                <a:spcPct val="150000"/>
+              </a:lnSpc>
+            </a:pPr>
+            <a:endParaRPr lang="he-IL" sz="1553" dirty="0">
               <a:solidFill>
                 <a:schemeClr val="tx1"/>
               </a:solidFill>
@@ -3411,27 +3345,7 @@
                 <a:latin typeface="David" panose="020E0502060401010101" pitchFamily="34" charset="-79"/>
                 <a:cs typeface="David" panose="020E0502060401010101" pitchFamily="34" charset="-79"/>
               </a:rPr>
-              <a:t> לחץ/י </a:t>
-            </a:r>
-            <a:r>
-              <a:rPr lang="he-IL" sz="1937" u="sng" dirty="0" smtClean="0">
-                <a:solidFill>
-                  <a:schemeClr val="tx1"/>
-                </a:solidFill>
-                <a:latin typeface="David" panose="020E0502060401010101" pitchFamily="34" charset="-79"/>
-                <a:cs typeface="David" panose="020E0502060401010101" pitchFamily="34" charset="-79"/>
-              </a:rPr>
-              <a:t>על </a:t>
-            </a:r>
-            <a:r>
-              <a:rPr lang="he-IL" sz="1937" u="sng" dirty="0">
-                <a:solidFill>
-                  <a:schemeClr val="tx1"/>
-                </a:solidFill>
-                <a:latin typeface="David" panose="020E0502060401010101" pitchFamily="34" charset="-79"/>
-                <a:cs typeface="David" panose="020E0502060401010101" pitchFamily="34" charset="-79"/>
-              </a:rPr>
-              <a:t>מקש רווח</a:t>
+              <a:t> לחץ/י על מקש רווח</a:t>
             </a:r>
             <a:endParaRPr lang="he-IL" sz="1937" dirty="0">
               <a:solidFill>
@@ -3451,7 +3365,7 @@
         </p:nvGrpSpPr>
         <p:grpSpPr>
           <a:xfrm>
-            <a:off x="2156605" y="2701130"/>
+            <a:off x="2181772" y="2831555"/>
             <a:ext cx="3518259" cy="2715249"/>
             <a:chOff x="811734" y="3859862"/>
             <a:chExt cx="4558122" cy="10406870"/>
@@ -3567,7 +3481,7 @@
             <a:p>
               <a:pPr algn="r" rtl="1"/>
               <a:r>
-                <a:rPr lang="he-IL" sz="1800" b="1" dirty="0" smtClean="0">
+                <a:rPr lang="he-IL" sz="1800" b="1" dirty="0">
                   <a:latin typeface="David" panose="020E0502060401010101" pitchFamily="34" charset="-79"/>
                   <a:cs typeface="David" panose="020E0502060401010101" pitchFamily="34" charset="-79"/>
                 </a:rPr>
@@ -3577,30 +3491,12 @@
             <a:p>
               <a:pPr algn="r" rtl="1"/>
               <a:r>
-                <a:rPr lang="he-IL" dirty="0" smtClean="0">
-                  <a:latin typeface="David" panose="020E0502060401010101" pitchFamily="34" charset="-79"/>
-                  <a:cs typeface="David" panose="020E0502060401010101" pitchFamily="34" charset="-79"/>
-                </a:rPr>
-                <a:t>(לחץ </a:t>
-              </a:r>
-              <a:r>
                 <a:rPr lang="he-IL" dirty="0">
                   <a:latin typeface="David" panose="020E0502060401010101" pitchFamily="34" charset="-79"/>
                   <a:cs typeface="David" panose="020E0502060401010101" pitchFamily="34" charset="-79"/>
                 </a:rPr>
-                <a:t>כפתור </a:t>
+                <a:t>(לחץ כפתור שמאל)</a:t>
               </a:r>
-              <a:r>
-                <a:rPr lang="he-IL" dirty="0" smtClean="0">
-                  <a:latin typeface="David" panose="020E0502060401010101" pitchFamily="34" charset="-79"/>
-                  <a:cs typeface="David" panose="020E0502060401010101" pitchFamily="34" charset="-79"/>
-                </a:rPr>
-                <a:t>שמאל)</a:t>
-              </a:r>
-              <a:endParaRPr lang="he-IL" dirty="0">
-                <a:latin typeface="David" panose="020E0502060401010101" pitchFamily="34" charset="-79"/>
-                <a:cs typeface="David" panose="020E0502060401010101" pitchFamily="34" charset="-79"/>
-              </a:endParaRPr>
             </a:p>
             <a:p>
               <a:pPr algn="r" rtl="1"/>
@@ -3638,7 +3534,7 @@
                 </a:lnSpc>
               </a:pPr>
               <a:r>
-                <a:rPr lang="he-IL" sz="1800" u="sng" dirty="0" smtClean="0">
+                <a:rPr lang="he-IL" sz="1800" u="sng" dirty="0">
                   <a:latin typeface="David" panose="020E0502060401010101" pitchFamily="34" charset="-79"/>
                   <a:cs typeface="David" panose="020E0502060401010101" pitchFamily="34" charset="-79"/>
                 </a:rPr>
@@ -3652,18 +3548,11 @@
                 </a:lnSpc>
               </a:pPr>
               <a:r>
-                <a:rPr lang="he-IL" sz="1800" dirty="0" smtClean="0">
-                  <a:latin typeface="David" panose="020E0502060401010101" pitchFamily="34" charset="-79"/>
-                  <a:cs typeface="David" panose="020E0502060401010101" pitchFamily="34" charset="-79"/>
-                </a:rPr>
-                <a:t>"</a:t>
-              </a:r>
-              <a:r>
                 <a:rPr lang="he-IL" sz="1800" dirty="0">
                   <a:latin typeface="David" panose="020E0502060401010101" pitchFamily="34" charset="-79"/>
                   <a:cs typeface="David" panose="020E0502060401010101" pitchFamily="34" charset="-79"/>
                 </a:rPr>
-                <a:t>אני יושב."</a:t>
+                <a:t>"אני יושב."</a:t>
               </a:r>
             </a:p>
             <a:p>
@@ -3673,18 +3562,11 @@
                 </a:lnSpc>
               </a:pPr>
               <a:r>
-                <a:rPr lang="he-IL" sz="1800" dirty="0" smtClean="0">
-                  <a:latin typeface="David" panose="020E0502060401010101" pitchFamily="34" charset="-79"/>
-                  <a:cs typeface="David" panose="020E0502060401010101" pitchFamily="34" charset="-79"/>
-                </a:rPr>
-                <a:t>"</a:t>
-              </a:r>
-              <a:r>
                 <a:rPr lang="he-IL" sz="1800" dirty="0">
                   <a:latin typeface="David" panose="020E0502060401010101" pitchFamily="34" charset="-79"/>
                   <a:cs typeface="David" panose="020E0502060401010101" pitchFamily="34" charset="-79"/>
                 </a:rPr>
-                <a:t>קר לי."</a:t>
+                <a:t>"קר לי."</a:t>
               </a:r>
             </a:p>
             <a:p>
@@ -3732,16 +3614,6 @@
                 </a:lnSpc>
               </a:pPr>
               <a:r>
-                <a:rPr lang="he-IL" sz="1800" dirty="0" smtClean="0">
-                  <a:solidFill>
-                    <a:srgbClr val="FF0000"/>
-                  </a:solidFill>
-                  <a:latin typeface="David" panose="020E0502060401010101" pitchFamily="34" charset="-79"/>
-                  <a:cs typeface="David" panose="020E0502060401010101" pitchFamily="34" charset="-79"/>
-                </a:rPr>
-                <a:t>"</a:t>
-              </a:r>
-              <a:r>
                 <a:rPr lang="he-IL" sz="1800" dirty="0">
                   <a:solidFill>
                     <a:srgbClr val="FF0000"/>
@@ -3749,7 +3621,7 @@
                   <a:latin typeface="David" panose="020E0502060401010101" pitchFamily="34" charset="-79"/>
                   <a:cs typeface="David" panose="020E0502060401010101" pitchFamily="34" charset="-79"/>
                 </a:rPr>
-                <a:t>אני עייף."</a:t>
+                <a:t>"אני עייף."</a:t>
               </a:r>
               <a:endParaRPr lang="en-US" sz="1800" dirty="0">
                 <a:solidFill>
@@ -3770,7 +3642,7 @@
         </p:nvGrpSpPr>
         <p:grpSpPr>
           <a:xfrm>
-            <a:off x="6589420" y="2753027"/>
+            <a:off x="6614587" y="2883452"/>
             <a:ext cx="3382716" cy="2585323"/>
             <a:chOff x="7477121" y="2088802"/>
             <a:chExt cx="3382716" cy="2585323"/>
@@ -3900,13 +3772,13 @@
               <a:p>
                 <a:pPr rtl="1"/>
                 <a:r>
-                  <a:rPr lang="he-IL" sz="1800" b="1" dirty="0" smtClean="0">
+                  <a:rPr lang="he-IL" sz="1800" b="1" dirty="0">
                     <a:latin typeface="David" panose="020E0502060401010101" pitchFamily="34" charset="-79"/>
                     <a:cs typeface="David" panose="020E0502060401010101" pitchFamily="34" charset="-79"/>
                   </a:rPr>
                   <a:t>זהים</a:t>
                 </a:r>
-                <a:endParaRPr lang="en-US" sz="1800" b="1" dirty="0" smtClean="0">
+                <a:endParaRPr lang="en-US" sz="1800" b="1" dirty="0">
                   <a:latin typeface="David" panose="020E0502060401010101" pitchFamily="34" charset="-79"/>
                   <a:cs typeface="David" panose="020E0502060401010101" pitchFamily="34" charset="-79"/>
                 </a:endParaRPr>
@@ -3914,7 +3786,7 @@
               <a:p>
                 <a:pPr rtl="1"/>
                 <a:r>
-                  <a:rPr lang="he-IL" dirty="0" smtClean="0">
+                  <a:rPr lang="he-IL" dirty="0">
                     <a:latin typeface="David" panose="020E0502060401010101" pitchFamily="34" charset="-79"/>
                     <a:cs typeface="David" panose="020E0502060401010101" pitchFamily="34" charset="-79"/>
                   </a:rPr>
@@ -3955,7 +3827,7 @@
                 </a:lnSpc>
               </a:pPr>
               <a:r>
-                <a:rPr lang="he-IL" u="sng" dirty="0" smtClean="0">
+                <a:rPr lang="he-IL" u="sng" dirty="0">
                   <a:latin typeface="David" panose="020E0502060401010101" pitchFamily="34" charset="-79"/>
                   <a:cs typeface="David" panose="020E0502060401010101" pitchFamily="34" charset="-79"/>
                 </a:rPr>
@@ -3969,52 +3841,11 @@
                 </a:lnSpc>
               </a:pPr>
               <a:r>
-                <a:rPr lang="he-IL" dirty="0" smtClean="0">
-                  <a:latin typeface="David" panose="020E0502060401010101" pitchFamily="34" charset="-79"/>
-                  <a:cs typeface="David" panose="020E0502060401010101" pitchFamily="34" charset="-79"/>
-                </a:rPr>
-                <a:t>"</a:t>
-              </a:r>
-              <a:r>
                 <a:rPr lang="he-IL" dirty="0">
                   <a:latin typeface="David" panose="020E0502060401010101" pitchFamily="34" charset="-79"/>
                   <a:cs typeface="David" panose="020E0502060401010101" pitchFamily="34" charset="-79"/>
                 </a:rPr>
-                <a:t>אני רעב</a:t>
-              </a:r>
-              <a:r>
-                <a:rPr lang="he-IL" dirty="0" smtClean="0">
-                  <a:latin typeface="David" panose="020E0502060401010101" pitchFamily="34" charset="-79"/>
-                  <a:cs typeface="David" panose="020E0502060401010101" pitchFamily="34" charset="-79"/>
-                </a:rPr>
-                <a:t>."</a:t>
-              </a:r>
-            </a:p>
-            <a:p>
-              <a:pPr algn="ctr" rtl="1">
-                <a:lnSpc>
-                  <a:spcPct val="150000"/>
-                </a:lnSpc>
-              </a:pPr>
-              <a:r>
-                <a:rPr lang="he-IL" dirty="0">
-                  <a:solidFill>
-                    <a:srgbClr val="FF0000"/>
-                  </a:solidFill>
-                  <a:latin typeface="David" panose="020E0502060401010101" pitchFamily="34" charset="-79"/>
-                  <a:cs typeface="David" panose="020E0502060401010101" pitchFamily="34" charset="-79"/>
-                </a:rPr>
-                <a:t>"אני עייף</a:t>
-              </a:r>
-              <a:r>
-                <a:rPr lang="he-IL" dirty="0" smtClean="0">
-                  <a:solidFill>
-                    <a:srgbClr val="FF0000"/>
-                  </a:solidFill>
-                  <a:latin typeface="David" panose="020E0502060401010101" pitchFamily="34" charset="-79"/>
-                  <a:cs typeface="David" panose="020E0502060401010101" pitchFamily="34" charset="-79"/>
-                </a:rPr>
-                <a:t>."</a:t>
+                <a:t>"אני רעב."</a:t>
               </a:r>
             </a:p>
             <a:p>
@@ -4041,18 +3872,14 @@
                 </a:lnSpc>
               </a:pPr>
               <a:r>
-                <a:rPr lang="he-IL" sz="1800" dirty="0" smtClean="0">
+                <a:rPr lang="he-IL" dirty="0">
+                  <a:solidFill>
+                    <a:srgbClr val="FF0000"/>
+                  </a:solidFill>
                   <a:latin typeface="David" panose="020E0502060401010101" pitchFamily="34" charset="-79"/>
                   <a:cs typeface="David" panose="020E0502060401010101" pitchFamily="34" charset="-79"/>
                 </a:rPr>
-                <a:t>"</a:t>
-              </a:r>
-              <a:r>
-                <a:rPr lang="he-IL" sz="1800" dirty="0">
-                  <a:latin typeface="David" panose="020E0502060401010101" pitchFamily="34" charset="-79"/>
-                  <a:cs typeface="David" panose="020E0502060401010101" pitchFamily="34" charset="-79"/>
-                </a:rPr>
-                <a:t>אני יושב."</a:t>
+                <a:t>"אני עייף."</a:t>
               </a:r>
             </a:p>
             <a:p>
@@ -4062,37 +3889,39 @@
                 </a:lnSpc>
               </a:pPr>
               <a:r>
-                <a:rPr lang="he-IL" sz="1800" dirty="0" smtClean="0">
+                <a:rPr lang="he-IL" sz="1800" dirty="0">
                   <a:latin typeface="David" panose="020E0502060401010101" pitchFamily="34" charset="-79"/>
                   <a:cs typeface="David" panose="020E0502060401010101" pitchFamily="34" charset="-79"/>
                 </a:rPr>
-                <a:t>"</a:t>
+                <a:t>"אני יושב."</a:t>
               </a:r>
+            </a:p>
+            <a:p>
+              <a:pPr algn="ctr" rtl="1">
+                <a:lnSpc>
+                  <a:spcPct val="150000"/>
+                </a:lnSpc>
+              </a:pPr>
               <a:r>
                 <a:rPr lang="he-IL" sz="1800" dirty="0">
                   <a:latin typeface="David" panose="020E0502060401010101" pitchFamily="34" charset="-79"/>
                   <a:cs typeface="David" panose="020E0502060401010101" pitchFamily="34" charset="-79"/>
                 </a:rPr>
-                <a:t>קר לי</a:t>
+                <a:t>"קר לי."</a:t>
               </a:r>
-              <a:r>
-                <a:rPr lang="he-IL" sz="1800" dirty="0" smtClean="0">
-                  <a:latin typeface="David" panose="020E0502060401010101" pitchFamily="34" charset="-79"/>
-                  <a:cs typeface="David" panose="020E0502060401010101" pitchFamily="34" charset="-79"/>
-                </a:rPr>
-                <a:t>."</a:t>
-              </a:r>
-              <a:endParaRPr lang="he-IL" sz="1800" dirty="0">
-                <a:latin typeface="David" panose="020E0502060401010101" pitchFamily="34" charset="-79"/>
-                <a:cs typeface="David" panose="020E0502060401010101" pitchFamily="34" charset="-79"/>
-              </a:endParaRPr>
             </a:p>
           </p:txBody>
         </p:sp>
       </p:grpSp>
       <p:pic>
         <p:nvPicPr>
-          <p:cNvPr id="9" name="Picture 8"/>
+          <p:cNvPr id="18" name="Picture 17">
+            <a:extLst>
+              <a:ext uri="{FF2B5EF4-FFF2-40B4-BE49-F238E27FC236}">
+                <a16:creationId xmlns:a16="http://schemas.microsoft.com/office/drawing/2014/main" id="{B4BF6A74-F909-4D1E-89BA-1415EECF4432}"/>
+              </a:ext>
+            </a:extLst>
+          </p:cNvPr>
           <p:cNvPicPr>
             <a:picLocks noChangeAspect="1"/>
           </p:cNvPicPr>
@@ -4106,14 +3935,126 @@
         </p:blipFill>
         <p:spPr>
           <a:xfrm>
-            <a:off x="5280291" y="2440779"/>
-            <a:ext cx="1727289" cy="596931"/>
+            <a:off x="3727507" y="2496199"/>
+            <a:ext cx="4468536" cy="421558"/>
           </a:xfrm>
           <a:prstGeom prst="rect">
             <a:avLst/>
           </a:prstGeom>
         </p:spPr>
       </p:pic>
+      <p:sp>
+        <p:nvSpPr>
+          <p:cNvPr id="19" name="Rectangle 18">
+            <a:extLst>
+              <a:ext uri="{FF2B5EF4-FFF2-40B4-BE49-F238E27FC236}">
+                <a16:creationId xmlns:a16="http://schemas.microsoft.com/office/drawing/2014/main" id="{D88F110F-937E-4A26-8BA7-9C86DBAB4F03}"/>
+              </a:ext>
+            </a:extLst>
+          </p:cNvPr>
+          <p:cNvSpPr/>
+          <p:nvPr/>
+        </p:nvSpPr>
+        <p:spPr>
+          <a:xfrm>
+            <a:off x="3656875" y="2582373"/>
+            <a:ext cx="738910" cy="341745"/>
+          </a:xfrm>
+          <a:prstGeom prst="rect">
+            <a:avLst/>
+          </a:prstGeom>
+          <a:solidFill>
+            <a:srgbClr val="FFFF00">
+              <a:alpha val="18039"/>
+            </a:srgbClr>
+          </a:solidFill>
+          <a:ln w="28575">
+            <a:solidFill>
+              <a:srgbClr val="FF0000"/>
+            </a:solidFill>
+          </a:ln>
+        </p:spPr>
+        <p:style>
+          <a:lnRef idx="2">
+            <a:schemeClr val="accent1">
+              <a:shade val="50000"/>
+            </a:schemeClr>
+          </a:lnRef>
+          <a:fillRef idx="1">
+            <a:schemeClr val="accent1"/>
+          </a:fillRef>
+          <a:effectRef idx="0">
+            <a:schemeClr val="accent1"/>
+          </a:effectRef>
+          <a:fontRef idx="minor">
+            <a:schemeClr val="lt1"/>
+          </a:fontRef>
+        </p:style>
+        <p:txBody>
+          <a:bodyPr rtlCol="0" anchor="ctr"/>
+          <a:lstStyle/>
+          <a:p>
+            <a:pPr algn="ctr"/>
+            <a:endParaRPr lang="LID4096"/>
+          </a:p>
+        </p:txBody>
+      </p:sp>
+      <p:sp>
+        <p:nvSpPr>
+          <p:cNvPr id="20" name="Rectangle 19">
+            <a:extLst>
+              <a:ext uri="{FF2B5EF4-FFF2-40B4-BE49-F238E27FC236}">
+                <a16:creationId xmlns:a16="http://schemas.microsoft.com/office/drawing/2014/main" id="{F235B062-51F3-459F-9BA5-44432ECD00D5}"/>
+              </a:ext>
+            </a:extLst>
+          </p:cNvPr>
+          <p:cNvSpPr/>
+          <p:nvPr/>
+        </p:nvSpPr>
+        <p:spPr>
+          <a:xfrm>
+            <a:off x="7457133" y="2522256"/>
+            <a:ext cx="738910" cy="341745"/>
+          </a:xfrm>
+          <a:prstGeom prst="rect">
+            <a:avLst/>
+          </a:prstGeom>
+          <a:solidFill>
+            <a:srgbClr val="FFFF00">
+              <a:alpha val="18039"/>
+            </a:srgbClr>
+          </a:solidFill>
+          <a:ln w="28575">
+            <a:solidFill>
+              <a:srgbClr val="FF0000"/>
+            </a:solidFill>
+          </a:ln>
+        </p:spPr>
+        <p:style>
+          <a:lnRef idx="2">
+            <a:schemeClr val="accent1">
+              <a:shade val="50000"/>
+            </a:schemeClr>
+          </a:lnRef>
+          <a:fillRef idx="1">
+            <a:schemeClr val="accent1"/>
+          </a:fillRef>
+          <a:effectRef idx="0">
+            <a:schemeClr val="accent1"/>
+          </a:effectRef>
+          <a:fontRef idx="minor">
+            <a:schemeClr val="lt1"/>
+          </a:fontRef>
+        </p:style>
+        <p:txBody>
+          <a:bodyPr rtlCol="0" anchor="ctr"/>
+          <a:lstStyle/>
+          <a:p>
+            <a:pPr algn="ctr"/>
+            <a:endParaRPr lang="LID4096"/>
+          </a:p>
+        </p:txBody>
+      </p:sp>
     </p:spTree>
     <p:extLst>
       <p:ext uri="{BB962C8B-B14F-4D97-AF65-F5344CB8AC3E}">
@@ -4207,7 +4148,7 @@
                 <a:spcPct val="150000"/>
               </a:lnSpc>
             </a:pPr>
-            <a:endParaRPr lang="he-IL" sz="2400" dirty="0" smtClean="0">
+            <a:endParaRPr lang="he-IL" sz="2400" dirty="0">
               <a:solidFill>
                 <a:schemeClr val="tx1"/>
               </a:solidFill>
@@ -4222,7 +4163,7 @@
               </a:lnSpc>
             </a:pPr>
             <a:r>
-              <a:rPr lang="he-IL" sz="2400" dirty="0" smtClean="0">
+              <a:rPr lang="he-IL" sz="2400" dirty="0">
                 <a:solidFill>
                   <a:schemeClr val="tx1"/>
                 </a:solidFill>
@@ -4253,7 +4194,7 @@
               </a:lnSpc>
             </a:pPr>
             <a:r>
-              <a:rPr lang="he-IL" sz="2400" dirty="0" smtClean="0">
+              <a:rPr lang="he-IL" sz="2400" dirty="0">
                 <a:solidFill>
                   <a:schemeClr val="tx1"/>
                 </a:solidFill>
@@ -4263,7 +4204,7 @@
               <a:t>כאשר זיהית חזרה על אותו משפט, </a:t>
             </a:r>
             <a:r>
-              <a:rPr lang="he-IL" sz="2400" b="1" dirty="0" smtClean="0">
+              <a:rPr lang="he-IL" sz="2400" b="1" dirty="0">
                 <a:solidFill>
                   <a:schemeClr val="tx1"/>
                 </a:solidFill>
@@ -4273,7 +4214,7 @@
               <a:t>לחץ/י על כפתור ימין או שמאל בהתאם לצד בו שמעת את המשפט שחזר על עצמו פעמיים ברצף</a:t>
             </a:r>
             <a:r>
-              <a:rPr lang="he-IL" sz="2400" dirty="0" smtClean="0">
+              <a:rPr lang="he-IL" sz="2400" dirty="0">
                 <a:solidFill>
                   <a:schemeClr val="tx1"/>
                 </a:solidFill>
@@ -4282,20 +4223,6 @@
               </a:rPr>
               <a:t>.</a:t>
             </a:r>
-          </a:p>
-          <a:p>
-            <a:pPr algn="r" rtl="1">
-              <a:lnSpc>
-                <a:spcPct val="150000"/>
-              </a:lnSpc>
-            </a:pPr>
-            <a:endParaRPr lang="he-IL" sz="2400" dirty="0" smtClean="0">
-              <a:solidFill>
-                <a:schemeClr val="tx1"/>
-              </a:solidFill>
-              <a:latin typeface="David" panose="020E0502060401010101" pitchFamily="34" charset="-79"/>
-              <a:cs typeface="David" panose="020E0502060401010101" pitchFamily="34" charset="-79"/>
-            </a:endParaRPr>
           </a:p>
           <a:p>
             <a:pPr algn="r" rtl="1">
@@ -4317,7 +4244,7 @@
                 <a:spcPct val="150000"/>
               </a:lnSpc>
             </a:pPr>
-            <a:endParaRPr lang="he-IL" sz="2400" dirty="0" smtClean="0">
+            <a:endParaRPr lang="he-IL" sz="2400" dirty="0">
               <a:solidFill>
                 <a:schemeClr val="tx1"/>
               </a:solidFill>
@@ -4345,7 +4272,7 @@
                 <a:spcPct val="150000"/>
               </a:lnSpc>
             </a:pPr>
-            <a:endParaRPr lang="he-IL" sz="2400" dirty="0" smtClean="0">
+            <a:endParaRPr lang="he-IL" sz="2400" dirty="0">
               <a:solidFill>
                 <a:schemeClr val="tx1"/>
               </a:solidFill>
@@ -4373,7 +4300,21 @@
                 <a:spcPct val="150000"/>
               </a:lnSpc>
             </a:pPr>
-            <a:endParaRPr lang="he-IL" sz="2400" dirty="0" smtClean="0">
+            <a:endParaRPr lang="he-IL" sz="2400" dirty="0">
+              <a:solidFill>
+                <a:schemeClr val="tx1"/>
+              </a:solidFill>
+              <a:latin typeface="David" panose="020E0502060401010101" pitchFamily="34" charset="-79"/>
+              <a:cs typeface="David" panose="020E0502060401010101" pitchFamily="34" charset="-79"/>
+            </a:endParaRPr>
+          </a:p>
+          <a:p>
+            <a:pPr algn="r" rtl="1">
+              <a:lnSpc>
+                <a:spcPct val="150000"/>
+              </a:lnSpc>
+            </a:pPr>
+            <a:endParaRPr lang="he-IL" sz="2400" dirty="0">
               <a:solidFill>
                 <a:schemeClr val="tx1"/>
               </a:solidFill>
@@ -4461,16 +4402,6 @@
           <a:p>
             <a:pPr algn="ctr" rtl="1"/>
             <a:r>
-              <a:rPr lang="he-IL" sz="1937" u="sng" dirty="0" smtClean="0">
-                <a:solidFill>
-                  <a:schemeClr val="tx1"/>
-                </a:solidFill>
-                <a:latin typeface="David" panose="020E0502060401010101" pitchFamily="34" charset="-79"/>
-                <a:cs typeface="David" panose="020E0502060401010101" pitchFamily="34" charset="-79"/>
-              </a:rPr>
-              <a:t> לחץ/י </a:t>
-            </a:r>
-            <a:r>
               <a:rPr lang="he-IL" sz="1937" u="sng" dirty="0">
                 <a:solidFill>
                   <a:schemeClr val="tx1"/>
@@ -4478,17 +4409,7 @@
                 <a:latin typeface="David" panose="020E0502060401010101" pitchFamily="34" charset="-79"/>
                 <a:cs typeface="David" panose="020E0502060401010101" pitchFamily="34" charset="-79"/>
               </a:rPr>
-              <a:t>על מקש </a:t>
-            </a:r>
-            <a:r>
-              <a:rPr lang="he-IL" sz="1937" u="sng" dirty="0" smtClean="0">
-                <a:solidFill>
-                  <a:schemeClr val="tx1"/>
-                </a:solidFill>
-                <a:latin typeface="David" panose="020E0502060401010101" pitchFamily="34" charset="-79"/>
-                <a:cs typeface="David" panose="020E0502060401010101" pitchFamily="34" charset="-79"/>
-              </a:rPr>
-              <a:t>רווח</a:t>
+              <a:t> לחץ/י על מקש רווח</a:t>
             </a:r>
             <a:endParaRPr lang="he-IL" sz="1937" dirty="0">
               <a:solidFill>
@@ -4593,7 +4514,7 @@
                 <a:spcPct val="150000"/>
               </a:lnSpc>
             </a:pPr>
-            <a:endParaRPr lang="he-IL" sz="2400" dirty="0" smtClean="0">
+            <a:endParaRPr lang="he-IL" sz="2400" dirty="0">
               <a:solidFill>
                 <a:schemeClr val="tx1"/>
               </a:solidFill>
@@ -4608,7 +4529,7 @@
               </a:lnSpc>
             </a:pPr>
             <a:r>
-              <a:rPr lang="he-IL" sz="2400" dirty="0" smtClean="0">
+              <a:rPr lang="he-IL" sz="2400" dirty="0">
                 <a:solidFill>
                   <a:schemeClr val="tx1"/>
                 </a:solidFill>
@@ -4639,7 +4560,7 @@
               </a:lnSpc>
             </a:pPr>
             <a:r>
-              <a:rPr lang="he-IL" sz="2400" dirty="0" smtClean="0">
+              <a:rPr lang="he-IL" sz="2400" dirty="0">
                 <a:solidFill>
                   <a:schemeClr val="tx1"/>
                 </a:solidFill>
@@ -4649,7 +4570,7 @@
               <a:t>כאשר זיהית חזרה על אותו משפט, </a:t>
             </a:r>
             <a:r>
-              <a:rPr lang="he-IL" sz="2400" b="1" dirty="0" smtClean="0">
+              <a:rPr lang="he-IL" sz="2400" b="1" dirty="0">
                 <a:solidFill>
                   <a:schemeClr val="tx1"/>
                 </a:solidFill>
@@ -4659,7 +4580,7 @@
               <a:t>לחץ/י על כפתור ימין או שמאל בהתאם לצד בו שמעת את המשפט שחזר על עצמו פעמיים ברצף</a:t>
             </a:r>
             <a:r>
-              <a:rPr lang="he-IL" sz="2400" dirty="0" smtClean="0">
+              <a:rPr lang="he-IL" sz="2400" dirty="0">
                 <a:solidFill>
                   <a:schemeClr val="tx1"/>
                 </a:solidFill>
@@ -4668,20 +4589,6 @@
               </a:rPr>
               <a:t>.</a:t>
             </a:r>
-          </a:p>
-          <a:p>
-            <a:pPr algn="r" rtl="1">
-              <a:lnSpc>
-                <a:spcPct val="150000"/>
-              </a:lnSpc>
-            </a:pPr>
-            <a:endParaRPr lang="he-IL" sz="2400" dirty="0" smtClean="0">
-              <a:solidFill>
-                <a:schemeClr val="tx1"/>
-              </a:solidFill>
-              <a:latin typeface="David" panose="020E0502060401010101" pitchFamily="34" charset="-79"/>
-              <a:cs typeface="David" panose="020E0502060401010101" pitchFamily="34" charset="-79"/>
-            </a:endParaRPr>
           </a:p>
           <a:p>
             <a:pPr algn="r" rtl="1">
@@ -4703,7 +4610,7 @@
                 <a:spcPct val="150000"/>
               </a:lnSpc>
             </a:pPr>
-            <a:endParaRPr lang="he-IL" sz="2400" dirty="0" smtClean="0">
+            <a:endParaRPr lang="he-IL" sz="2400" dirty="0">
               <a:solidFill>
                 <a:schemeClr val="tx1"/>
               </a:solidFill>
@@ -4731,7 +4638,7 @@
                 <a:spcPct val="150000"/>
               </a:lnSpc>
             </a:pPr>
-            <a:endParaRPr lang="he-IL" sz="2400" dirty="0" smtClean="0">
+            <a:endParaRPr lang="he-IL" sz="2400" dirty="0">
               <a:solidFill>
                 <a:schemeClr val="tx1"/>
               </a:solidFill>
@@ -4759,7 +4666,21 @@
                 <a:spcPct val="150000"/>
               </a:lnSpc>
             </a:pPr>
-            <a:endParaRPr lang="he-IL" sz="2400" dirty="0" smtClean="0">
+            <a:endParaRPr lang="he-IL" sz="2400" dirty="0">
+              <a:solidFill>
+                <a:schemeClr val="tx1"/>
+              </a:solidFill>
+              <a:latin typeface="David" panose="020E0502060401010101" pitchFamily="34" charset="-79"/>
+              <a:cs typeface="David" panose="020E0502060401010101" pitchFamily="34" charset="-79"/>
+            </a:endParaRPr>
+          </a:p>
+          <a:p>
+            <a:pPr algn="r" rtl="1">
+              <a:lnSpc>
+                <a:spcPct val="150000"/>
+              </a:lnSpc>
+            </a:pPr>
+            <a:endParaRPr lang="he-IL" sz="2400" dirty="0">
               <a:solidFill>
                 <a:schemeClr val="tx1"/>
               </a:solidFill>
@@ -4854,57 +4775,7 @@
                 <a:latin typeface="David" panose="020E0502060401010101" pitchFamily="34" charset="-79"/>
                 <a:cs typeface="David" panose="020E0502060401010101" pitchFamily="34" charset="-79"/>
               </a:rPr>
-              <a:t> </a:t>
-            </a:r>
-            <a:r>
-              <a:rPr lang="he-IL" sz="1937" u="sng" dirty="0" smtClean="0">
-                <a:solidFill>
-                  <a:schemeClr val="tx1"/>
-                </a:solidFill>
-                <a:latin typeface="David" panose="020E0502060401010101" pitchFamily="34" charset="-79"/>
-                <a:cs typeface="David" panose="020E0502060401010101" pitchFamily="34" charset="-79"/>
-              </a:rPr>
-              <a:t>לחץ</a:t>
-            </a:r>
-            <a:r>
-              <a:rPr lang="he-IL" sz="1937" u="sng" dirty="0">
-                <a:solidFill>
-                  <a:schemeClr val="tx1"/>
-                </a:solidFill>
-                <a:latin typeface="David" panose="020E0502060401010101" pitchFamily="34" charset="-79"/>
-                <a:cs typeface="David" panose="020E0502060401010101" pitchFamily="34" charset="-79"/>
-              </a:rPr>
-              <a:t>/י</a:t>
-            </a:r>
-            <a:r>
-              <a:rPr lang="he-IL" sz="1937" u="sng" dirty="0" smtClean="0">
-                <a:solidFill>
-                  <a:schemeClr val="tx1"/>
-                </a:solidFill>
-                <a:latin typeface="David" panose="020E0502060401010101" pitchFamily="34" charset="-79"/>
-                <a:cs typeface="David" panose="020E0502060401010101" pitchFamily="34" charset="-79"/>
-              </a:rPr>
-              <a:t> </a:t>
-            </a:r>
-            <a:r>
-              <a:rPr lang="he-IL" sz="1937" u="sng" dirty="0">
-                <a:solidFill>
-                  <a:schemeClr val="tx1"/>
-                </a:solidFill>
-                <a:latin typeface="David" panose="020E0502060401010101" pitchFamily="34" charset="-79"/>
-                <a:cs typeface="David" panose="020E0502060401010101" pitchFamily="34" charset="-79"/>
-              </a:rPr>
-              <a:t>על </a:t>
-            </a:r>
-            <a:r>
-              <a:rPr lang="he-IL" sz="1937" u="sng" dirty="0">
-                <a:solidFill>
-                  <a:schemeClr val="tx1"/>
-                </a:solidFill>
-                <a:latin typeface="David" panose="020E0502060401010101" pitchFamily="34" charset="-79"/>
-                <a:cs typeface="David" panose="020E0502060401010101" pitchFamily="34" charset="-79"/>
-              </a:rPr>
-              <a:t>מקש רווח</a:t>
+              <a:t> לחץ/י על מקש רווח</a:t>
             </a:r>
             <a:endParaRPr lang="he-IL" sz="1937" dirty="0">
               <a:solidFill>
@@ -5009,7 +4880,7 @@
                 <a:spcPct val="150000"/>
               </a:lnSpc>
             </a:pPr>
-            <a:endParaRPr lang="he-IL" sz="2400" dirty="0" smtClean="0">
+            <a:endParaRPr lang="he-IL" sz="2400" dirty="0">
               <a:solidFill>
                 <a:schemeClr val="tx1"/>
               </a:solidFill>
@@ -5024,7 +4895,7 @@
               </a:lnSpc>
             </a:pPr>
             <a:r>
-              <a:rPr lang="he-IL" sz="2400" dirty="0" smtClean="0">
+              <a:rPr lang="he-IL" sz="2400" dirty="0">
                 <a:solidFill>
                   <a:schemeClr val="tx1"/>
                 </a:solidFill>
@@ -5055,27 +4926,17 @@
               </a:lnSpc>
             </a:pPr>
             <a:r>
-              <a:rPr lang="he-IL" sz="2400" dirty="0" smtClean="0">
+              <a:rPr lang="he-IL" sz="2400" dirty="0">
                 <a:solidFill>
                   <a:schemeClr val="tx1"/>
                 </a:solidFill>
                 <a:latin typeface="David" panose="020E0502060401010101" pitchFamily="34" charset="-79"/>
                 <a:cs typeface="David" panose="020E0502060401010101" pitchFamily="34" charset="-79"/>
               </a:rPr>
-              <a:t>כאשר </a:t>
-            </a:r>
-            <a:r>
-              <a:rPr lang="he-IL" sz="2400" dirty="0" smtClean="0">
-                <a:solidFill>
-                  <a:schemeClr val="tx1"/>
-                </a:solidFill>
-                <a:latin typeface="David" panose="020E0502060401010101" pitchFamily="34" charset="-79"/>
-                <a:cs typeface="David" panose="020E0502060401010101" pitchFamily="34" charset="-79"/>
-              </a:rPr>
-              <a:t>זיהית חזרה על אותו משפט, </a:t>
-            </a:r>
-            <a:r>
-              <a:rPr lang="he-IL" sz="2400" b="1" dirty="0" smtClean="0">
+              <a:t>כאשר זיהית חזרה על אותו משפט, </a:t>
+            </a:r>
+            <a:r>
+              <a:rPr lang="he-IL" sz="2400" b="1" dirty="0">
                 <a:solidFill>
                   <a:schemeClr val="tx1"/>
                 </a:solidFill>
@@ -5085,7 +4946,7 @@
               <a:t>לחץ/י על כפתור ימין או שמאל בהתאם לצד בו שמעת את המשפט שחזר על עצמו פעמיים ברצף</a:t>
             </a:r>
             <a:r>
-              <a:rPr lang="he-IL" sz="2400" dirty="0" smtClean="0">
+              <a:rPr lang="he-IL" sz="2400" dirty="0">
                 <a:solidFill>
                   <a:schemeClr val="tx1"/>
                 </a:solidFill>
@@ -5116,7 +4977,7 @@
               </a:lnSpc>
             </a:pPr>
             <a:r>
-              <a:rPr lang="he-IL" sz="2400" dirty="0" smtClean="0">
+              <a:rPr lang="he-IL" sz="2400" dirty="0">
                 <a:solidFill>
                   <a:schemeClr val="tx1"/>
                 </a:solidFill>
@@ -5125,20 +4986,6 @@
               </a:rPr>
               <a:t>השתדל/י לענות הכי מהר ומדויק שאת/ה יכול/ה.</a:t>
             </a:r>
-          </a:p>
-          <a:p>
-            <a:pPr algn="r" rtl="1">
-              <a:lnSpc>
-                <a:spcPct val="150000"/>
-              </a:lnSpc>
-            </a:pPr>
-            <a:endParaRPr lang="he-IL" sz="2400" dirty="0" smtClean="0">
-              <a:solidFill>
-                <a:schemeClr val="tx1"/>
-              </a:solidFill>
-              <a:latin typeface="David" panose="020E0502060401010101" pitchFamily="34" charset="-79"/>
-              <a:cs typeface="David" panose="020E0502060401010101" pitchFamily="34" charset="-79"/>
-            </a:endParaRPr>
           </a:p>
           <a:p>
             <a:pPr algn="r" rtl="1">
@@ -5160,7 +5007,7 @@
                 <a:spcPct val="150000"/>
               </a:lnSpc>
             </a:pPr>
-            <a:endParaRPr lang="he-IL" sz="2400" dirty="0" smtClean="0">
+            <a:endParaRPr lang="he-IL" sz="2400" dirty="0">
               <a:solidFill>
                 <a:schemeClr val="tx1"/>
               </a:solidFill>
@@ -5188,7 +5035,7 @@
                 <a:spcPct val="150000"/>
               </a:lnSpc>
             </a:pPr>
-            <a:endParaRPr lang="he-IL" sz="2400" dirty="0" smtClean="0">
+            <a:endParaRPr lang="he-IL" sz="2400" dirty="0">
               <a:solidFill>
                 <a:schemeClr val="tx1"/>
               </a:solidFill>
@@ -5216,7 +5063,21 @@
                 <a:spcPct val="150000"/>
               </a:lnSpc>
             </a:pPr>
-            <a:endParaRPr lang="he-IL" sz="2400" dirty="0" smtClean="0">
+            <a:endParaRPr lang="he-IL" sz="2400" dirty="0">
+              <a:solidFill>
+                <a:schemeClr val="tx1"/>
+              </a:solidFill>
+              <a:latin typeface="David" panose="020E0502060401010101" pitchFamily="34" charset="-79"/>
+              <a:cs typeface="David" panose="020E0502060401010101" pitchFamily="34" charset="-79"/>
+            </a:endParaRPr>
+          </a:p>
+          <a:p>
+            <a:pPr algn="r" rtl="1">
+              <a:lnSpc>
+                <a:spcPct val="150000"/>
+              </a:lnSpc>
+            </a:pPr>
+            <a:endParaRPr lang="he-IL" sz="2400" dirty="0">
               <a:solidFill>
                 <a:schemeClr val="tx1"/>
               </a:solidFill>
@@ -5311,37 +5172,7 @@
                 <a:latin typeface="David" panose="020E0502060401010101" pitchFamily="34" charset="-79"/>
                 <a:cs typeface="David" panose="020E0502060401010101" pitchFamily="34" charset="-79"/>
               </a:rPr>
-              <a:t> </a:t>
-            </a:r>
-            <a:r>
-              <a:rPr lang="he-IL" sz="1937" u="sng" dirty="0" smtClean="0">
-                <a:solidFill>
-                  <a:schemeClr val="tx1"/>
-                </a:solidFill>
-                <a:latin typeface="David" panose="020E0502060401010101" pitchFamily="34" charset="-79"/>
-                <a:cs typeface="David" panose="020E0502060401010101" pitchFamily="34" charset="-79"/>
-              </a:rPr>
-              <a:t>לחץ/י </a:t>
-            </a:r>
-            <a:r>
-              <a:rPr lang="he-IL" sz="1937" u="sng" dirty="0">
-                <a:solidFill>
-                  <a:schemeClr val="tx1"/>
-                </a:solidFill>
-                <a:latin typeface="David" panose="020E0502060401010101" pitchFamily="34" charset="-79"/>
-                <a:cs typeface="David" panose="020E0502060401010101" pitchFamily="34" charset="-79"/>
-              </a:rPr>
-              <a:t>על </a:t>
-            </a:r>
-            <a:r>
-              <a:rPr lang="he-IL" sz="1937" u="sng" dirty="0">
-                <a:solidFill>
-                  <a:schemeClr val="tx1"/>
-                </a:solidFill>
-                <a:latin typeface="David" panose="020E0502060401010101" pitchFamily="34" charset="-79"/>
-                <a:cs typeface="David" panose="020E0502060401010101" pitchFamily="34" charset="-79"/>
-              </a:rPr>
-              <a:t>מקש רווח</a:t>
+              <a:t> לחץ/י על מקש רווח</a:t>
             </a:r>
             <a:endParaRPr lang="he-IL" sz="1937" dirty="0">
               <a:solidFill>
@@ -5434,7 +5265,7 @@
           <a:p>
             <a:pPr algn="ctr" rtl="1"/>
             <a:r>
-              <a:rPr lang="he-IL" sz="3200" dirty="0" smtClean="0">
+              <a:rPr lang="he-IL" sz="3200" dirty="0">
                 <a:solidFill>
                   <a:schemeClr val="bg1"/>
                 </a:solidFill>
@@ -5442,12 +5273,6 @@
               </a:rPr>
               <a:t>+</a:t>
             </a:r>
-            <a:endParaRPr lang="he-IL" sz="3200" dirty="0">
-              <a:solidFill>
-                <a:schemeClr val="bg1"/>
-              </a:solidFill>
-              <a:latin typeface="David" panose="020E0502060401010101" pitchFamily="34" charset="-79"/>
-            </a:endParaRPr>
           </a:p>
         </p:txBody>
       </p:sp>
@@ -5544,7 +5369,7 @@
                 <a:spcPct val="150000"/>
               </a:lnSpc>
             </a:pPr>
-            <a:endParaRPr lang="he-IL" sz="1553" dirty="0" smtClean="0">
+            <a:endParaRPr lang="he-IL" sz="1553" dirty="0">
               <a:solidFill>
                 <a:schemeClr val="tx1"/>
               </a:solidFill>
@@ -5559,7 +5384,7 @@
               </a:lnSpc>
             </a:pPr>
             <a:r>
-              <a:rPr lang="he-IL" sz="3200" b="1" dirty="0" smtClean="0">
+              <a:rPr lang="he-IL" sz="3200" b="1" dirty="0">
                 <a:solidFill>
                   <a:schemeClr val="tx1"/>
                 </a:solidFill>
@@ -5568,7 +5393,7 @@
               </a:rPr>
               <a:t>הפסקה</a:t>
             </a:r>
-            <a:endParaRPr lang="he-IL" sz="2400" b="1" dirty="0" smtClean="0">
+            <a:endParaRPr lang="he-IL" sz="2400" b="1" dirty="0">
               <a:solidFill>
                 <a:schemeClr val="tx1"/>
               </a:solidFill>
@@ -5597,7 +5422,7 @@
               </a:lnSpc>
             </a:pPr>
             <a:r>
-              <a:rPr lang="he-IL" sz="2400" dirty="0" smtClean="0">
+              <a:rPr lang="he-IL" sz="2400" dirty="0">
                 <a:solidFill>
                   <a:schemeClr val="tx1"/>
                 </a:solidFill>
@@ -5628,7 +5453,7 @@
               </a:lnSpc>
             </a:pPr>
             <a:r>
-              <a:rPr lang="he-IL" sz="2400" dirty="0" smtClean="0">
+              <a:rPr lang="he-IL" sz="2400" dirty="0">
                 <a:solidFill>
                   <a:schemeClr val="tx1"/>
                 </a:solidFill>
@@ -5637,13 +5462,6 @@
               </a:rPr>
               <a:t>(ישנה המתנה של לפחות 30 שניות לפני שממשיכים)</a:t>
             </a:r>
-            <a:endParaRPr lang="he-IL" sz="2400" dirty="0">
-              <a:solidFill>
-                <a:schemeClr val="tx1"/>
-              </a:solidFill>
-              <a:latin typeface="David" panose="020E0502060401010101" pitchFamily="34" charset="-79"/>
-              <a:cs typeface="David" panose="020E0502060401010101" pitchFamily="34" charset="-79"/>
-            </a:endParaRPr>
           </a:p>
           <a:p>
             <a:pPr algn="r" rtl="1">
@@ -5651,7 +5469,7 @@
                 <a:spcPct val="150000"/>
               </a:lnSpc>
             </a:pPr>
-            <a:endParaRPr lang="he-IL" sz="1553" dirty="0" smtClean="0">
+            <a:endParaRPr lang="he-IL" sz="1553" dirty="0">
               <a:solidFill>
                 <a:schemeClr val="tx1"/>
               </a:solidFill>
@@ -5746,37 +5564,7 @@
                 <a:latin typeface="David" panose="020E0502060401010101" pitchFamily="34" charset="-79"/>
                 <a:cs typeface="David" panose="020E0502060401010101" pitchFamily="34" charset="-79"/>
               </a:rPr>
-              <a:t> </a:t>
-            </a:r>
-            <a:r>
-              <a:rPr lang="he-IL" sz="1937" u="sng" dirty="0" smtClean="0">
-                <a:solidFill>
-                  <a:schemeClr val="tx1"/>
-                </a:solidFill>
-                <a:latin typeface="David" panose="020E0502060401010101" pitchFamily="34" charset="-79"/>
-                <a:cs typeface="David" panose="020E0502060401010101" pitchFamily="34" charset="-79"/>
-              </a:rPr>
-              <a:t>לחץ/י </a:t>
-            </a:r>
-            <a:r>
-              <a:rPr lang="he-IL" sz="1937" u="sng" dirty="0">
-                <a:solidFill>
-                  <a:schemeClr val="tx1"/>
-                </a:solidFill>
-                <a:latin typeface="David" panose="020E0502060401010101" pitchFamily="34" charset="-79"/>
-                <a:cs typeface="David" panose="020E0502060401010101" pitchFamily="34" charset="-79"/>
-              </a:rPr>
-              <a:t>על </a:t>
-            </a:r>
-            <a:r>
-              <a:rPr lang="he-IL" sz="1937" u="sng" dirty="0">
-                <a:solidFill>
-                  <a:schemeClr val="tx1"/>
-                </a:solidFill>
-                <a:latin typeface="David" panose="020E0502060401010101" pitchFamily="34" charset="-79"/>
-                <a:cs typeface="David" panose="020E0502060401010101" pitchFamily="34" charset="-79"/>
-              </a:rPr>
-              <a:t>מקש רווח</a:t>
+              <a:t> לחץ/י על מקש רווח</a:t>
             </a:r>
             <a:endParaRPr lang="he-IL" sz="1937" dirty="0">
               <a:solidFill>
@@ -5881,7 +5669,7 @@
                 <a:spcPct val="150000"/>
               </a:lnSpc>
             </a:pPr>
-            <a:endParaRPr lang="he-IL" sz="1553" dirty="0" smtClean="0">
+            <a:endParaRPr lang="he-IL" sz="1553" dirty="0">
               <a:solidFill>
                 <a:schemeClr val="tx1"/>
               </a:solidFill>
@@ -5896,7 +5684,7 @@
               </a:lnSpc>
             </a:pPr>
             <a:r>
-              <a:rPr lang="he-IL" sz="3200" b="1" dirty="0" smtClean="0">
+              <a:rPr lang="he-IL" sz="3200" b="1" dirty="0">
                 <a:solidFill>
                   <a:schemeClr val="tx1"/>
                 </a:solidFill>
@@ -5913,7 +5701,7 @@
               </a:lnSpc>
             </a:pPr>
             <a:r>
-              <a:rPr lang="he-IL" sz="3200" b="1" dirty="0" smtClean="0">
+              <a:rPr lang="he-IL" sz="3200" b="1" dirty="0">
                 <a:solidFill>
                   <a:schemeClr val="tx1"/>
                 </a:solidFill>
@@ -5922,7 +5710,7 @@
               </a:rPr>
               <a:t>תודה</a:t>
             </a:r>
-            <a:endParaRPr lang="he-IL" sz="2400" b="1" dirty="0" smtClean="0">
+            <a:endParaRPr lang="he-IL" sz="2400" b="1" dirty="0">
               <a:solidFill>
                 <a:schemeClr val="tx1"/>
               </a:solidFill>
@@ -5936,7 +5724,7 @@
                 <a:spcPct val="150000"/>
               </a:lnSpc>
             </a:pPr>
-            <a:endParaRPr lang="he-IL" sz="1553" dirty="0" smtClean="0">
+            <a:endParaRPr lang="he-IL" sz="1553" dirty="0">
               <a:solidFill>
                 <a:schemeClr val="tx1"/>
               </a:solidFill>
@@ -6031,37 +5819,7 @@
                 <a:latin typeface="David" panose="020E0502060401010101" pitchFamily="34" charset="-79"/>
                 <a:cs typeface="David" panose="020E0502060401010101" pitchFamily="34" charset="-79"/>
               </a:rPr>
-              <a:t> </a:t>
-            </a:r>
-            <a:r>
-              <a:rPr lang="he-IL" sz="1937" u="sng" dirty="0" smtClean="0">
-                <a:solidFill>
-                  <a:schemeClr val="tx1"/>
-                </a:solidFill>
-                <a:latin typeface="David" panose="020E0502060401010101" pitchFamily="34" charset="-79"/>
-                <a:cs typeface="David" panose="020E0502060401010101" pitchFamily="34" charset="-79"/>
-              </a:rPr>
-              <a:t>לחץ/י </a:t>
-            </a:r>
-            <a:r>
-              <a:rPr lang="he-IL" sz="1937" u="sng" dirty="0">
-                <a:solidFill>
-                  <a:schemeClr val="tx1"/>
-                </a:solidFill>
-                <a:latin typeface="David" panose="020E0502060401010101" pitchFamily="34" charset="-79"/>
-                <a:cs typeface="David" panose="020E0502060401010101" pitchFamily="34" charset="-79"/>
-              </a:rPr>
-              <a:t>על </a:t>
-            </a:r>
-            <a:r>
-              <a:rPr lang="he-IL" sz="1937" u="sng" dirty="0">
-                <a:solidFill>
-                  <a:schemeClr val="tx1"/>
-                </a:solidFill>
-                <a:latin typeface="David" panose="020E0502060401010101" pitchFamily="34" charset="-79"/>
-                <a:cs typeface="David" panose="020E0502060401010101" pitchFamily="34" charset="-79"/>
-              </a:rPr>
-              <a:t>מקש רווח</a:t>
+              <a:t> לחץ/י על מקש רווח</a:t>
             </a:r>
             <a:endParaRPr lang="he-IL" sz="1937" dirty="0">
               <a:solidFill>

--- a/Instructions_Pictures/Dichotic/D1Binstructions (1).pptx
+++ b/Instructions_Pictures/Dichotic/D1Binstructions (1).pptx
@@ -249,7 +249,7 @@
           <a:p>
             <a:fld id="{4476BBAF-3BF1-4078-A5DF-44D473DCBE61}" type="datetimeFigureOut">
               <a:rPr lang="he-IL" smtClean="0"/>
-              <a:t>ט'/אב/תשפ"א</a:t>
+              <a:t>ג'/אלול/תשפ"א</a:t>
             </a:fld>
             <a:endParaRPr lang="he-IL"/>
           </a:p>
@@ -419,7 +419,7 @@
           <a:p>
             <a:fld id="{4476BBAF-3BF1-4078-A5DF-44D473DCBE61}" type="datetimeFigureOut">
               <a:rPr lang="he-IL" smtClean="0"/>
-              <a:t>ט'/אב/תשפ"א</a:t>
+              <a:t>ג'/אלול/תשפ"א</a:t>
             </a:fld>
             <a:endParaRPr lang="he-IL"/>
           </a:p>
@@ -599,7 +599,7 @@
           <a:p>
             <a:fld id="{4476BBAF-3BF1-4078-A5DF-44D473DCBE61}" type="datetimeFigureOut">
               <a:rPr lang="he-IL" smtClean="0"/>
-              <a:t>ט'/אב/תשפ"א</a:t>
+              <a:t>ג'/אלול/תשפ"א</a:t>
             </a:fld>
             <a:endParaRPr lang="he-IL"/>
           </a:p>
@@ -769,7 +769,7 @@
           <a:p>
             <a:fld id="{4476BBAF-3BF1-4078-A5DF-44D473DCBE61}" type="datetimeFigureOut">
               <a:rPr lang="he-IL" smtClean="0"/>
-              <a:t>ט'/אב/תשפ"א</a:t>
+              <a:t>ג'/אלול/תשפ"א</a:t>
             </a:fld>
             <a:endParaRPr lang="he-IL"/>
           </a:p>
@@ -1015,7 +1015,7 @@
           <a:p>
             <a:fld id="{4476BBAF-3BF1-4078-A5DF-44D473DCBE61}" type="datetimeFigureOut">
               <a:rPr lang="he-IL" smtClean="0"/>
-              <a:t>ט'/אב/תשפ"א</a:t>
+              <a:t>ג'/אלול/תשפ"א</a:t>
             </a:fld>
             <a:endParaRPr lang="he-IL"/>
           </a:p>
@@ -1247,7 +1247,7 @@
           <a:p>
             <a:fld id="{4476BBAF-3BF1-4078-A5DF-44D473DCBE61}" type="datetimeFigureOut">
               <a:rPr lang="he-IL" smtClean="0"/>
-              <a:t>ט'/אב/תשפ"א</a:t>
+              <a:t>ג'/אלול/תשפ"א</a:t>
             </a:fld>
             <a:endParaRPr lang="he-IL"/>
           </a:p>
@@ -1614,7 +1614,7 @@
           <a:p>
             <a:fld id="{4476BBAF-3BF1-4078-A5DF-44D473DCBE61}" type="datetimeFigureOut">
               <a:rPr lang="he-IL" smtClean="0"/>
-              <a:t>ט'/אב/תשפ"א</a:t>
+              <a:t>ג'/אלול/תשפ"א</a:t>
             </a:fld>
             <a:endParaRPr lang="he-IL"/>
           </a:p>
@@ -1732,7 +1732,7 @@
           <a:p>
             <a:fld id="{4476BBAF-3BF1-4078-A5DF-44D473DCBE61}" type="datetimeFigureOut">
               <a:rPr lang="he-IL" smtClean="0"/>
-              <a:t>ט'/אב/תשפ"א</a:t>
+              <a:t>ג'/אלול/תשפ"א</a:t>
             </a:fld>
             <a:endParaRPr lang="he-IL"/>
           </a:p>
@@ -1827,7 +1827,7 @@
           <a:p>
             <a:fld id="{4476BBAF-3BF1-4078-A5DF-44D473DCBE61}" type="datetimeFigureOut">
               <a:rPr lang="he-IL" smtClean="0"/>
-              <a:t>ט'/אב/תשפ"א</a:t>
+              <a:t>ג'/אלול/תשפ"א</a:t>
             </a:fld>
             <a:endParaRPr lang="he-IL"/>
           </a:p>
@@ -2104,7 +2104,7 @@
           <a:p>
             <a:fld id="{4476BBAF-3BF1-4078-A5DF-44D473DCBE61}" type="datetimeFigureOut">
               <a:rPr lang="he-IL" smtClean="0"/>
-              <a:t>ט'/אב/תשפ"א</a:t>
+              <a:t>ג'/אלול/תשפ"א</a:t>
             </a:fld>
             <a:endParaRPr lang="he-IL"/>
           </a:p>
@@ -2357,7 +2357,7 @@
           <a:p>
             <a:fld id="{4476BBAF-3BF1-4078-A5DF-44D473DCBE61}" type="datetimeFigureOut">
               <a:rPr lang="he-IL" smtClean="0"/>
-              <a:t>ט'/אב/תשפ"א</a:t>
+              <a:t>ג'/אלול/תשפ"א</a:t>
             </a:fld>
             <a:endParaRPr lang="he-IL"/>
           </a:p>
@@ -2570,7 +2570,7 @@
           <a:p>
             <a:fld id="{4476BBAF-3BF1-4078-A5DF-44D473DCBE61}" type="datetimeFigureOut">
               <a:rPr lang="he-IL" smtClean="0"/>
-              <a:t>ט'/אב/תשפ"א</a:t>
+              <a:t>ג'/אלול/תשפ"א</a:t>
             </a:fld>
             <a:endParaRPr lang="he-IL"/>
           </a:p>
@@ -3046,7 +3046,7 @@
                 <a:latin typeface="David" panose="020E0502060401010101" pitchFamily="34" charset="-79"/>
                 <a:cs typeface="David" panose="020E0502060401010101" pitchFamily="34" charset="-79"/>
               </a:rPr>
-              <a:t>כעת תבצע/י מטלה נוספת.</a:t>
+              <a:t>כעת תבצע מטלה נוספת.</a:t>
             </a:r>
           </a:p>
           <a:p>
@@ -3063,7 +3063,7 @@
                 <a:latin typeface="David" panose="020E0502060401010101" pitchFamily="34" charset="-79"/>
                 <a:cs typeface="David" panose="020E0502060401010101" pitchFamily="34" charset="-79"/>
               </a:rPr>
-              <a:t>במטלה זו תשמע/י במקביל (באותו הזמן) רצף משפטים בכל אוזן. כלומר, באוזן ימין תשמע/י רצף משפטים ובאותו זמן באוזן שמאל תשמע/י רצף שונה של משפטים. את/ה מתבקש/ת </a:t>
+              <a:t>במטלה זו תשמע במקביל (באותו הזמן) רצף משפטים בכל אוזן. כלומר, באוזן ימין תשמע רצף משפטים ובאותו זמן באוזן שמאל תשמע רצף שונה של משפטים. אתה מתבקש </a:t>
             </a:r>
             <a:r>
               <a:rPr lang="he-IL" sz="1553" b="1" dirty="0">
@@ -3073,7 +3073,7 @@
                 <a:latin typeface="David" panose="020E0502060401010101" pitchFamily="34" charset="-79"/>
                 <a:cs typeface="David" panose="020E0502060401010101" pitchFamily="34" charset="-79"/>
               </a:rPr>
-              <a:t>לזהות כאשר את/ה שומע/ת באותו צד את אותו המשפט פעמיים ברצף</a:t>
+              <a:t>לזהות כאשר אתה שומע באותו צד את אותו המשפט פעמיים ברצף</a:t>
             </a:r>
             <a:r>
               <a:rPr lang="he-IL" sz="1553" dirty="0">
@@ -3093,7 +3093,7 @@
                 <a:latin typeface="David" panose="020E0502060401010101" pitchFamily="34" charset="-79"/>
                 <a:cs typeface="David" panose="020E0502060401010101" pitchFamily="34" charset="-79"/>
               </a:rPr>
-              <a:t>לחץ/י על מקש </a:t>
+              <a:t>לחץ על מקש </a:t>
             </a:r>
             <a:r>
               <a:rPr lang="he-IL" sz="1553" b="1" dirty="0" err="1">
@@ -4170,7 +4170,7 @@
                 <a:latin typeface="David" panose="020E0502060401010101" pitchFamily="34" charset="-79"/>
                 <a:cs typeface="David" panose="020E0502060401010101" pitchFamily="34" charset="-79"/>
               </a:rPr>
-              <a:t>נתחיל באימון קצר. תחילה תשמע/י רצף משפטים בכל בצד בנפרד.</a:t>
+              <a:t>נתחיל באימון קצר. תחילה תשמע רצף משפטים בכל בצד בנפרד.</a:t>
             </a:r>
           </a:p>
           <a:p>
@@ -4211,7 +4211,7 @@
                 <a:latin typeface="David" panose="020E0502060401010101" pitchFamily="34" charset="-79"/>
                 <a:cs typeface="David" panose="020E0502060401010101" pitchFamily="34" charset="-79"/>
               </a:rPr>
-              <a:t>לחץ/י על כפתור ימין או שמאל בהתאם לצד בו שמעת את המשפט שחזר על עצמו פעמיים ברצף</a:t>
+              <a:t>לחץ על כפתור ימין או שמאל בהתאם לצד בו שמעת את המשפט שחזר על עצמו פעמיים ברצף</a:t>
             </a:r>
             <a:r>
               <a:rPr lang="he-IL" sz="2400" dirty="0">
@@ -4536,7 +4536,7 @@
                 <a:latin typeface="David" panose="020E0502060401010101" pitchFamily="34" charset="-79"/>
                 <a:cs typeface="David" panose="020E0502060401010101" pitchFamily="34" charset="-79"/>
               </a:rPr>
-              <a:t>נמשיך באימון, כעת תשמע/י משפטים בשני הצדדים במקביל.</a:t>
+              <a:t>נמשיך באימון, כעת תשמע משפטים בשני הצדדים במקביל.</a:t>
             </a:r>
           </a:p>
           <a:p>
@@ -4577,7 +4577,7 @@
                 <a:latin typeface="David" panose="020E0502060401010101" pitchFamily="34" charset="-79"/>
                 <a:cs typeface="David" panose="020E0502060401010101" pitchFamily="34" charset="-79"/>
               </a:rPr>
-              <a:t>לחץ/י על כפתור ימין או שמאל בהתאם לצד בו שמעת את המשפט שחזר על עצמו פעמיים ברצף</a:t>
+              <a:t>לחץ על כפתור ימין או שמאל בהתאם לצד בו שמעת את המשפט שחזר על עצמו פעמיים ברצף</a:t>
             </a:r>
             <a:r>
               <a:rPr lang="he-IL" sz="2400" dirty="0">
@@ -4943,7 +4943,7 @@
                 <a:latin typeface="David" panose="020E0502060401010101" pitchFamily="34" charset="-79"/>
                 <a:cs typeface="David" panose="020E0502060401010101" pitchFamily="34" charset="-79"/>
               </a:rPr>
-              <a:t>לחץ/י על כפתור ימין או שמאל בהתאם לצד בו שמעת את המשפט שחזר על עצמו פעמיים ברצף</a:t>
+              <a:t>לחץ על כפתור ימין או שמאל בהתאם לצד בו שמעת את המשפט שחזר על עצמו פעמיים ברצף</a:t>
             </a:r>
             <a:r>
               <a:rPr lang="he-IL" sz="2400" dirty="0">
@@ -4984,7 +4984,7 @@
                 <a:latin typeface="David" panose="020E0502060401010101" pitchFamily="34" charset="-79"/>
                 <a:cs typeface="David" panose="020E0502060401010101" pitchFamily="34" charset="-79"/>
               </a:rPr>
-              <a:t>השתדל/י לענות הכי מהר ומדויק שאת/ה יכול/ה.</a:t>
+              <a:t>השתדל לענות הכי מהר ומדויק שאתה יכול.</a:t>
             </a:r>
           </a:p>
           <a:p>
@@ -5429,7 +5429,7 @@
                 <a:latin typeface="David" panose="020E0502060401010101" pitchFamily="34" charset="-79"/>
                 <a:cs typeface="David" panose="020E0502060401010101" pitchFamily="34" charset="-79"/>
               </a:rPr>
-              <a:t>כאשר את/ה מוכן/ה להמשיך במטלה, לחץ/י על אחד הכפתורים.</a:t>
+              <a:t>כאשר אתה מוכן להמשיך במטלה, לחץ על אחד הכפתורים.</a:t>
             </a:r>
           </a:p>
           <a:p>
